--- a/2021_졸업과제_4번째_진행보고.pptx
+++ b/2021_졸업과제_4번째_진행보고.pptx
@@ -305,7 +305,7 @@
           <a:p>
             <a:fld id="{11FFDD12-E947-401E-BAC1-FD5DAC2FFF12}" type="datetimeFigureOut">
               <a:rPr lang="ko-KR" altLang="en-US" smtClean="0"/>
-              <a:t>2021-08-07(Sat)</a:t>
+              <a:t>2021-08-09(Mon)</a:t>
             </a:fld>
             <a:endParaRPr lang="ko-KR" altLang="en-US"/>
           </a:p>
@@ -473,7 +473,7 @@
           <a:p>
             <a:fld id="{11FFDD12-E947-401E-BAC1-FD5DAC2FFF12}" type="datetimeFigureOut">
               <a:rPr lang="ko-KR" altLang="en-US" smtClean="0"/>
-              <a:t>2021-08-07(Sat)</a:t>
+              <a:t>2021-08-09(Mon)</a:t>
             </a:fld>
             <a:endParaRPr lang="ko-KR" altLang="en-US"/>
           </a:p>
@@ -651,7 +651,7 @@
           <a:p>
             <a:fld id="{11FFDD12-E947-401E-BAC1-FD5DAC2FFF12}" type="datetimeFigureOut">
               <a:rPr lang="ko-KR" altLang="en-US" smtClean="0"/>
-              <a:t>2021-08-07(Sat)</a:t>
+              <a:t>2021-08-09(Mon)</a:t>
             </a:fld>
             <a:endParaRPr lang="ko-KR" altLang="en-US"/>
           </a:p>
@@ -819,7 +819,7 @@
           <a:p>
             <a:fld id="{11FFDD12-E947-401E-BAC1-FD5DAC2FFF12}" type="datetimeFigureOut">
               <a:rPr lang="ko-KR" altLang="en-US" smtClean="0"/>
-              <a:t>2021-08-07(Sat)</a:t>
+              <a:t>2021-08-09(Mon)</a:t>
             </a:fld>
             <a:endParaRPr lang="ko-KR" altLang="en-US"/>
           </a:p>
@@ -1110,7 +1110,7 @@
           <a:p>
             <a:fld id="{11FFDD12-E947-401E-BAC1-FD5DAC2FFF12}" type="datetimeFigureOut">
               <a:rPr lang="ko-KR" altLang="en-US" smtClean="0"/>
-              <a:t>2021-08-07(Sat)</a:t>
+              <a:t>2021-08-09(Mon)</a:t>
             </a:fld>
             <a:endParaRPr lang="ko-KR" altLang="en-US"/>
           </a:p>
@@ -1339,7 +1339,7 @@
           <a:p>
             <a:fld id="{11FFDD12-E947-401E-BAC1-FD5DAC2FFF12}" type="datetimeFigureOut">
               <a:rPr lang="ko-KR" altLang="en-US" smtClean="0"/>
-              <a:t>2021-08-07(Sat)</a:t>
+              <a:t>2021-08-09(Mon)</a:t>
             </a:fld>
             <a:endParaRPr lang="ko-KR" altLang="en-US"/>
           </a:p>
@@ -1703,7 +1703,7 @@
           <a:p>
             <a:fld id="{11FFDD12-E947-401E-BAC1-FD5DAC2FFF12}" type="datetimeFigureOut">
               <a:rPr lang="ko-KR" altLang="en-US" smtClean="0"/>
-              <a:t>2021-08-07(Sat)</a:t>
+              <a:t>2021-08-09(Mon)</a:t>
             </a:fld>
             <a:endParaRPr lang="ko-KR" altLang="en-US"/>
           </a:p>
@@ -1820,7 +1820,7 @@
           <a:p>
             <a:fld id="{11FFDD12-E947-401E-BAC1-FD5DAC2FFF12}" type="datetimeFigureOut">
               <a:rPr lang="ko-KR" altLang="en-US" smtClean="0"/>
-              <a:t>2021-08-07(Sat)</a:t>
+              <a:t>2021-08-09(Mon)</a:t>
             </a:fld>
             <a:endParaRPr lang="ko-KR" altLang="en-US"/>
           </a:p>
@@ -1915,7 +1915,7 @@
           <a:p>
             <a:fld id="{11FFDD12-E947-401E-BAC1-FD5DAC2FFF12}" type="datetimeFigureOut">
               <a:rPr lang="ko-KR" altLang="en-US" smtClean="0"/>
-              <a:t>2021-08-07(Sat)</a:t>
+              <a:t>2021-08-09(Mon)</a:t>
             </a:fld>
             <a:endParaRPr lang="ko-KR" altLang="en-US"/>
           </a:p>
@@ -2190,7 +2190,7 @@
           <a:p>
             <a:fld id="{11FFDD12-E947-401E-BAC1-FD5DAC2FFF12}" type="datetimeFigureOut">
               <a:rPr lang="ko-KR" altLang="en-US" smtClean="0"/>
-              <a:t>2021-08-07(Sat)</a:t>
+              <a:t>2021-08-09(Mon)</a:t>
             </a:fld>
             <a:endParaRPr lang="ko-KR" altLang="en-US"/>
           </a:p>
@@ -2442,7 +2442,7 @@
           <a:p>
             <a:fld id="{11FFDD12-E947-401E-BAC1-FD5DAC2FFF12}" type="datetimeFigureOut">
               <a:rPr lang="ko-KR" altLang="en-US" smtClean="0"/>
-              <a:t>2021-08-07(Sat)</a:t>
+              <a:t>2021-08-09(Mon)</a:t>
             </a:fld>
             <a:endParaRPr lang="ko-KR" altLang="en-US"/>
           </a:p>
@@ -2653,7 +2653,7 @@
           <a:p>
             <a:fld id="{11FFDD12-E947-401E-BAC1-FD5DAC2FFF12}" type="datetimeFigureOut">
               <a:rPr lang="ko-KR" altLang="en-US" smtClean="0"/>
-              <a:t>2021-08-07(Sat)</a:t>
+              <a:t>2021-08-09(Mon)</a:t>
             </a:fld>
             <a:endParaRPr lang="ko-KR" altLang="en-US"/>
           </a:p>
@@ -10440,133 +10440,91 @@
           <p:nvPr>
             <p:extLst>
               <p:ext uri="{D42A27DB-BD31-4B8C-83A1-F6EECF244321}">
-                <p14:modId xmlns:p14="http://schemas.microsoft.com/office/powerpoint/2010/main" val="2908366909"/>
+                <p14:modId xmlns:p14="http://schemas.microsoft.com/office/powerpoint/2010/main" val="2512616887"/>
               </p:ext>
             </p:extLst>
           </p:nvPr>
         </p:nvGraphicFramePr>
         <p:xfrm>
-          <a:off x="3607148" y="2751594"/>
-          <a:ext cx="8435657" cy="2865120"/>
+          <a:off x="3724712" y="2801924"/>
+          <a:ext cx="7966326" cy="2865120"/>
         </p:xfrm>
         <a:graphic>
           <a:graphicData uri="http://schemas.openxmlformats.org/drawingml/2006/table">
             <a:tbl>
               <a:tblPr firstRow="1" bandRow="1"/>
               <a:tblGrid>
-                <a:gridCol w="549812">
-                  <a:extLst>
-                    <a:ext uri="{9D8B030D-6E8A-4147-A177-3AD203B41FA5}">
-                      <a16:colId xmlns:a16="http://schemas.microsoft.com/office/drawing/2014/main" val="20000"/>
-                    </a:ext>
-                  </a:extLst>
-                </a:gridCol>
-                <a:gridCol w="590035">
-                  <a:extLst>
-                    <a:ext uri="{9D8B030D-6E8A-4147-A177-3AD203B41FA5}">
-                      <a16:colId xmlns:a16="http://schemas.microsoft.com/office/drawing/2014/main" val="20001"/>
-                    </a:ext>
-                  </a:extLst>
-                </a:gridCol>
-                <a:gridCol w="549812">
-                  <a:extLst>
-                    <a:ext uri="{9D8B030D-6E8A-4147-A177-3AD203B41FA5}">
-                      <a16:colId xmlns:a16="http://schemas.microsoft.com/office/drawing/2014/main" val="20002"/>
-                    </a:ext>
-                  </a:extLst>
-                </a:gridCol>
-                <a:gridCol w="549812">
-                  <a:extLst>
-                    <a:ext uri="{9D8B030D-6E8A-4147-A177-3AD203B41FA5}">
-                      <a16:colId xmlns:a16="http://schemas.microsoft.com/office/drawing/2014/main" val="20003"/>
-                    </a:ext>
-                  </a:extLst>
-                </a:gridCol>
-                <a:gridCol w="549812">
-                  <a:extLst>
-                    <a:ext uri="{9D8B030D-6E8A-4147-A177-3AD203B41FA5}">
-                      <a16:colId xmlns:a16="http://schemas.microsoft.com/office/drawing/2014/main" val="20004"/>
-                    </a:ext>
-                  </a:extLst>
-                </a:gridCol>
-                <a:gridCol w="549812">
-                  <a:extLst>
-                    <a:ext uri="{9D8B030D-6E8A-4147-A177-3AD203B41FA5}">
-                      <a16:colId xmlns:a16="http://schemas.microsoft.com/office/drawing/2014/main" val="20005"/>
-                    </a:ext>
-                  </a:extLst>
-                </a:gridCol>
-                <a:gridCol w="549812">
+                <a:gridCol w="835853">
                   <a:extLst>
                     <a:ext uri="{9D8B030D-6E8A-4147-A177-3AD203B41FA5}">
                       <a16:colId xmlns:a16="http://schemas.microsoft.com/office/drawing/2014/main" val="20006"/>
                     </a:ext>
                   </a:extLst>
                 </a:gridCol>
-                <a:gridCol w="480456">
+                <a:gridCol w="730416">
                   <a:extLst>
                     <a:ext uri="{9D8B030D-6E8A-4147-A177-3AD203B41FA5}">
                       <a16:colId xmlns:a16="http://schemas.microsoft.com/office/drawing/2014/main" val="20007"/>
                     </a:ext>
                   </a:extLst>
                 </a:gridCol>
-                <a:gridCol w="121344">
+                <a:gridCol w="200211">
                   <a:extLst>
                     <a:ext uri="{9D8B030D-6E8A-4147-A177-3AD203B41FA5}">
                       <a16:colId xmlns:a16="http://schemas.microsoft.com/office/drawing/2014/main" val="20008"/>
                     </a:ext>
                   </a:extLst>
                 </a:gridCol>
-                <a:gridCol w="573332">
+                <a:gridCol w="1058389">
                   <a:extLst>
                     <a:ext uri="{9D8B030D-6E8A-4147-A177-3AD203B41FA5}">
                       <a16:colId xmlns:a16="http://schemas.microsoft.com/office/drawing/2014/main" val="20009"/>
                     </a:ext>
                   </a:extLst>
                 </a:gridCol>
-                <a:gridCol w="555805">
+                <a:gridCol w="844967">
                   <a:extLst>
                     <a:ext uri="{9D8B030D-6E8A-4147-A177-3AD203B41FA5}">
                       <a16:colId xmlns:a16="http://schemas.microsoft.com/office/drawing/2014/main" val="20010"/>
                     </a:ext>
                   </a:extLst>
                 </a:gridCol>
-                <a:gridCol w="121344">
+                <a:gridCol w="200211">
                   <a:extLst>
                     <a:ext uri="{9D8B030D-6E8A-4147-A177-3AD203B41FA5}">
                       <a16:colId xmlns:a16="http://schemas.microsoft.com/office/drawing/2014/main" val="20011"/>
                     </a:ext>
                   </a:extLst>
                 </a:gridCol>
-                <a:gridCol w="494527">
+                <a:gridCol w="751809">
                   <a:extLst>
                     <a:ext uri="{9D8B030D-6E8A-4147-A177-3AD203B41FA5}">
                       <a16:colId xmlns:a16="http://schemas.microsoft.com/office/drawing/2014/main" val="20012"/>
                     </a:ext>
                   </a:extLst>
                 </a:gridCol>
-                <a:gridCol w="549812">
+                <a:gridCol w="835853">
                   <a:extLst>
                     <a:ext uri="{9D8B030D-6E8A-4147-A177-3AD203B41FA5}">
                       <a16:colId xmlns:a16="http://schemas.microsoft.com/office/drawing/2014/main" val="20013"/>
                     </a:ext>
                   </a:extLst>
                 </a:gridCol>
-                <a:gridCol w="550506">
+                <a:gridCol w="836911">
                   <a:extLst>
                     <a:ext uri="{9D8B030D-6E8A-4147-A177-3AD203B41FA5}">
                       <a16:colId xmlns:a16="http://schemas.microsoft.com/office/drawing/2014/main" val="20014"/>
                     </a:ext>
                   </a:extLst>
                 </a:gridCol>
-                <a:gridCol w="549812">
+                <a:gridCol w="835853">
                   <a:extLst>
                     <a:ext uri="{9D8B030D-6E8A-4147-A177-3AD203B41FA5}">
                       <a16:colId xmlns:a16="http://schemas.microsoft.com/office/drawing/2014/main" val="20015"/>
                     </a:ext>
                   </a:extLst>
                 </a:gridCol>
-                <a:gridCol w="549812">
+                <a:gridCol w="835853">
                   <a:extLst>
                     <a:ext uri="{9D8B030D-6E8A-4147-A177-3AD203B41FA5}">
                       <a16:colId xmlns:a16="http://schemas.microsoft.com/office/drawing/2014/main" val="20016"/>
@@ -10574,119 +10532,7 @@
                   </a:extLst>
                 </a:gridCol>
               </a:tblGrid>
-              <a:tr h="269121">
-                <a:tc gridSpan="2">
-                  <a:txBody>
-                    <a:bodyPr/>
-                    <a:lstStyle/>
-                    <a:p>
-                      <a:pPr>
-                        <a:defRPr/>
-                      </a:pPr>
-                      <a:r>
-                        <a:rPr lang="en-US" altLang="ko-KR" sz="1600">
-                          <a:latin typeface="나눔바른고딕" panose="020B0603020101020101" pitchFamily="50" charset="-127"/>
-                          <a:ea typeface="나눔바른고딕" panose="020B0603020101020101" pitchFamily="50" charset="-127"/>
-                        </a:rPr>
-                        <a:t>6</a:t>
-                      </a:r>
-                      <a:r>
-                        <a:rPr lang="ko-KR" altLang="en-US" sz="1600">
-                          <a:latin typeface="나눔바른고딕" panose="020B0603020101020101" pitchFamily="50" charset="-127"/>
-                          <a:ea typeface="나눔바른고딕" panose="020B0603020101020101" pitchFamily="50" charset="-127"/>
-                        </a:rPr>
-                        <a:t>월</a:t>
-                      </a:r>
-                    </a:p>
-                  </a:txBody>
-                  <a:tcPr>
-                    <a:solidFill>
-                      <a:srgbClr val="BFBFBF"/>
-                    </a:solidFill>
-                  </a:tcPr>
-                </a:tc>
-                <a:tc hMerge="1">
-                  <a:txBody>
-                    <a:bodyPr/>
-                    <a:lstStyle/>
-                    <a:p>
-                      <a:pPr>
-                        <a:defRPr/>
-                      </a:pPr>
-                      <a:endParaRPr lang="ko-KR" altLang="en-US"/>
-                    </a:p>
-                  </a:txBody>
-                  <a:tcPr/>
-                </a:tc>
-                <a:tc gridSpan="4">
-                  <a:txBody>
-                    <a:bodyPr/>
-                    <a:lstStyle/>
-                    <a:p>
-                      <a:pPr>
-                        <a:defRPr/>
-                      </a:pPr>
-                      <a:r>
-                        <a:rPr lang="en-US" altLang="ko-KR" sz="1600">
-                          <a:latin typeface="나눔바른고딕" panose="020B0603020101020101" pitchFamily="50" charset="-127"/>
-                          <a:ea typeface="나눔바른고딕" panose="020B0603020101020101" pitchFamily="50" charset="-127"/>
-                        </a:rPr>
-                        <a:t>7</a:t>
-                      </a:r>
-                      <a:r>
-                        <a:rPr lang="ko-KR" altLang="en-US" sz="1600">
-                          <a:latin typeface="나눔바른고딕" panose="020B0603020101020101" pitchFamily="50" charset="-127"/>
-                          <a:ea typeface="나눔바른고딕" panose="020B0603020101020101" pitchFamily="50" charset="-127"/>
-                        </a:rPr>
-                        <a:t>월</a:t>
-                      </a:r>
-                    </a:p>
-                  </a:txBody>
-                  <a:tcPr>
-                    <a:solidFill>
-                      <a:srgbClr val="BFBFBF"/>
-                    </a:solidFill>
-                  </a:tcPr>
-                </a:tc>
-                <a:tc hMerge="1">
-                  <a:txBody>
-                    <a:bodyPr/>
-                    <a:lstStyle/>
-                    <a:p>
-                      <a:pPr>
-                        <a:defRPr/>
-                      </a:pPr>
-                      <a:endParaRPr lang="ko-KR" altLang="en-US"/>
-                    </a:p>
-                  </a:txBody>
-                  <a:tcPr/>
-                </a:tc>
-                <a:tc hMerge="1">
-                  <a:txBody>
-                    <a:bodyPr/>
-                    <a:lstStyle/>
-                    <a:p>
-                      <a:pPr>
-                        <a:defRPr/>
-                      </a:pPr>
-                      <a:endParaRPr lang="ko-KR" altLang="en-US"/>
-                    </a:p>
-                  </a:txBody>
-                  <a:tcPr/>
-                </a:tc>
-                <a:tc hMerge="1">
-                  <a:txBody>
-                    <a:bodyPr/>
-                    <a:lstStyle/>
-                    <a:p>
-                      <a:pPr>
-                        <a:defRPr/>
-                      </a:pPr>
-                      <a:endParaRPr lang="ko-KR" altLang="en-US"/>
-                    </a:p>
-                  </a:txBody>
-                  <a:tcPr/>
-                </a:tc>
+              <a:tr h="305049">
                 <a:tc gridSpan="7">
                   <a:txBody>
                     <a:bodyPr/>
@@ -10870,187 +10716,7 @@
                   </a:ext>
                 </a:extLst>
               </a:tr>
-              <a:tr h="294858">
-                <a:tc>
-                  <a:txBody>
-                    <a:bodyPr/>
-                    <a:lstStyle/>
-                    <a:p>
-                      <a:pPr>
-                        <a:defRPr/>
-                      </a:pPr>
-                      <a:r>
-                        <a:rPr lang="en-US" altLang="ko-KR" sz="1600">
-                          <a:latin typeface="나눔바른고딕" panose="020B0603020101020101" pitchFamily="50" charset="-127"/>
-                          <a:ea typeface="나눔바른고딕" panose="020B0603020101020101" pitchFamily="50" charset="-127"/>
-                        </a:rPr>
-                        <a:t>4</a:t>
-                      </a:r>
-                      <a:r>
-                        <a:rPr lang="ko-KR" altLang="en-US" sz="1600">
-                          <a:latin typeface="나눔바른고딕" panose="020B0603020101020101" pitchFamily="50" charset="-127"/>
-                          <a:ea typeface="나눔바른고딕" panose="020B0603020101020101" pitchFamily="50" charset="-127"/>
-                        </a:rPr>
-                        <a:t>주</a:t>
-                      </a:r>
-                    </a:p>
-                  </a:txBody>
-                  <a:tcPr>
-                    <a:solidFill>
-                      <a:srgbClr val="D9D9D9"/>
-                    </a:solidFill>
-                  </a:tcPr>
-                </a:tc>
-                <a:tc>
-                  <a:txBody>
-                    <a:bodyPr/>
-                    <a:lstStyle/>
-                    <a:p>
-                      <a:pPr>
-                        <a:defRPr/>
-                      </a:pPr>
-                      <a:r>
-                        <a:rPr lang="en-US" altLang="ko-KR" sz="1600">
-                          <a:latin typeface="나눔바른고딕" panose="020B0603020101020101" pitchFamily="50" charset="-127"/>
-                          <a:ea typeface="나눔바른고딕" panose="020B0603020101020101" pitchFamily="50" charset="-127"/>
-                        </a:rPr>
-                        <a:t>5</a:t>
-                      </a:r>
-                      <a:r>
-                        <a:rPr lang="ko-KR" altLang="en-US" sz="1600">
-                          <a:latin typeface="나눔바른고딕" panose="020B0603020101020101" pitchFamily="50" charset="-127"/>
-                          <a:ea typeface="나눔바른고딕" panose="020B0603020101020101" pitchFamily="50" charset="-127"/>
-                        </a:rPr>
-                        <a:t>주</a:t>
-                      </a:r>
-                    </a:p>
-                  </a:txBody>
-                  <a:tcPr>
-                    <a:solidFill>
-                      <a:srgbClr val="D9D9D9"/>
-                    </a:solidFill>
-                  </a:tcPr>
-                </a:tc>
-                <a:tc>
-                  <a:txBody>
-                    <a:bodyPr/>
-                    <a:lstStyle/>
-                    <a:p>
-                      <a:pPr>
-                        <a:defRPr/>
-                      </a:pPr>
-                      <a:r>
-                        <a:rPr lang="en-US" altLang="ko-KR" sz="1600">
-                          <a:latin typeface="나눔바른고딕" panose="020B0603020101020101" pitchFamily="50" charset="-127"/>
-                          <a:ea typeface="나눔바른고딕" panose="020B0603020101020101" pitchFamily="50" charset="-127"/>
-                        </a:rPr>
-                        <a:t>1</a:t>
-                      </a:r>
-                      <a:r>
-                        <a:rPr lang="ko-KR" altLang="en-US" sz="1600">
-                          <a:latin typeface="나눔바른고딕" panose="020B0603020101020101" pitchFamily="50" charset="-127"/>
-                          <a:ea typeface="나눔바른고딕" panose="020B0603020101020101" pitchFamily="50" charset="-127"/>
-                        </a:rPr>
-                        <a:t>주</a:t>
-                      </a:r>
-                    </a:p>
-                  </a:txBody>
-                  <a:tcPr>
-                    <a:solidFill>
-                      <a:srgbClr val="D9D9D9"/>
-                    </a:solidFill>
-                  </a:tcPr>
-                </a:tc>
-                <a:tc>
-                  <a:txBody>
-                    <a:bodyPr/>
-                    <a:lstStyle/>
-                    <a:p>
-                      <a:pPr>
-                        <a:defRPr/>
-                      </a:pPr>
-                      <a:r>
-                        <a:rPr lang="en-US" altLang="ko-KR" sz="1600">
-                          <a:latin typeface="나눔바른고딕" panose="020B0603020101020101" pitchFamily="50" charset="-127"/>
-                          <a:ea typeface="나눔바른고딕" panose="020B0603020101020101" pitchFamily="50" charset="-127"/>
-                        </a:rPr>
-                        <a:t>2</a:t>
-                      </a:r>
-                      <a:r>
-                        <a:rPr lang="ko-KR" altLang="en-US" sz="1600">
-                          <a:latin typeface="나눔바른고딕" panose="020B0603020101020101" pitchFamily="50" charset="-127"/>
-                          <a:ea typeface="나눔바른고딕" panose="020B0603020101020101" pitchFamily="50" charset="-127"/>
-                        </a:rPr>
-                        <a:t>주</a:t>
-                      </a:r>
-                    </a:p>
-                  </a:txBody>
-                  <a:tcPr>
-                    <a:solidFill>
-                      <a:srgbClr val="D9D9D9"/>
-                    </a:solidFill>
-                  </a:tcPr>
-                </a:tc>
-                <a:tc>
-                  <a:txBody>
-                    <a:bodyPr/>
-                    <a:lstStyle/>
-                    <a:p>
-                      <a:pPr>
-                        <a:defRPr/>
-                      </a:pPr>
-                      <a:r>
-                        <a:rPr lang="en-US" altLang="ko-KR" sz="1600">
-                          <a:latin typeface="나눔바른고딕" panose="020B0603020101020101" pitchFamily="50" charset="-127"/>
-                          <a:ea typeface="나눔바른고딕" panose="020B0603020101020101" pitchFamily="50" charset="-127"/>
-                        </a:rPr>
-                        <a:t>3</a:t>
-                      </a:r>
-                      <a:r>
-                        <a:rPr lang="ko-KR" altLang="en-US" sz="1600">
-                          <a:latin typeface="나눔바른고딕" panose="020B0603020101020101" pitchFamily="50" charset="-127"/>
-                          <a:ea typeface="나눔바른고딕" panose="020B0603020101020101" pitchFamily="50" charset="-127"/>
-                        </a:rPr>
-                        <a:t>주</a:t>
-                      </a:r>
-                    </a:p>
-                  </a:txBody>
-                  <a:tcPr>
-                    <a:solidFill>
-                      <a:srgbClr val="D9D9D9"/>
-                    </a:solidFill>
-                  </a:tcPr>
-                </a:tc>
-                <a:tc>
-                  <a:txBody>
-                    <a:bodyPr/>
-                    <a:lstStyle/>
-                    <a:p>
-                      <a:pPr>
-                        <a:defRPr/>
-                      </a:pPr>
-                      <a:r>
-                        <a:rPr lang="en-US" altLang="ko-KR" sz="1600">
-                          <a:latin typeface="나눔바른고딕" panose="020B0603020101020101" pitchFamily="50" charset="-127"/>
-                          <a:ea typeface="나눔바른고딕" panose="020B0603020101020101" pitchFamily="50" charset="-127"/>
-                        </a:rPr>
-                        <a:t>4</a:t>
-                      </a:r>
-                      <a:r>
-                        <a:rPr lang="ko-KR" altLang="en-US" sz="1600">
-                          <a:latin typeface="나눔바른고딕" panose="020B0603020101020101" pitchFamily="50" charset="-127"/>
-                          <a:ea typeface="나눔바른고딕" panose="020B0603020101020101" pitchFamily="50" charset="-127"/>
-                        </a:rPr>
-                        <a:t>주</a:t>
-                      </a:r>
-                    </a:p>
-                  </a:txBody>
-                  <a:tcPr>
-                    <a:solidFill>
-                      <a:srgbClr val="D9D9D9"/>
-                    </a:solidFill>
-                  </a:tcPr>
-                </a:tc>
+              <a:tr h="305049">
                 <a:tc gridSpan="2">
                   <a:txBody>
                     <a:bodyPr/>
@@ -11336,17 +11002,31 @@
                   </a:ext>
                 </a:extLst>
               </a:tr>
-              <a:tr h="294858">
-                <a:tc gridSpan="10">
+              <a:tr h="305049">
+                <a:tc gridSpan="7">
                   <a:txBody>
                     <a:bodyPr/>
                     <a:lstStyle/>
                     <a:p>
-                      <a:pPr algn="ctr">
+                      <a:pPr marL="0" marR="0" lvl="0" indent="0" algn="ctr" defTabSz="914400" rtl="0" eaLnBrk="1" fontAlgn="auto" latinLnBrk="1" hangingPunct="1">
+                        <a:lnSpc>
+                          <a:spcPct val="100000"/>
+                        </a:lnSpc>
+                        <a:spcBef>
+                          <a:spcPts val="0"/>
+                        </a:spcBef>
+                        <a:spcAft>
+                          <a:spcPts val="0"/>
+                        </a:spcAft>
+                        <a:buClrTx/>
+                        <a:buSzTx/>
+                        <a:buFontTx/>
+                        <a:buNone/>
+                        <a:tabLst/>
                         <a:defRPr/>
                       </a:pPr>
                       <a:r>
-                        <a:rPr lang="ko-KR" altLang="en-US" sz="1600">
+                        <a:rPr lang="ko-KR" altLang="en-US" sz="1600" dirty="0">
                           <a:latin typeface="나눔바른고딕" panose="020B0603020101020101" pitchFamily="50" charset="-127"/>
                           <a:ea typeface="나눔바른고딕" panose="020B0603020101020101" pitchFamily="50" charset="-127"/>
                         </a:rPr>
@@ -11361,6 +11041,8 @@
                       </a:solidFill>
                       <a:prstDash val="solid"/>
                       <a:round/>
+                      <a:headEnd type="none" w="med" len="med"/>
+                      <a:tailEnd type="none" w="med" len="med"/>
                     </a:lnB>
                     <a:solidFill>
                       <a:srgbClr val="FFFF00"/>
@@ -11385,132 +11067,8 @@
                       </a:solidFill>
                       <a:prstDash val="solid"/>
                       <a:round/>
-                    </a:lnB>
-                  </a:tcPr>
-                </a:tc>
-                <a:tc hMerge="1">
-                  <a:txBody>
-                    <a:bodyPr/>
-                    <a:lstStyle/>
-                    <a:p>
-                      <a:pPr>
-                        <a:defRPr/>
-                      </a:pPr>
-                      <a:endParaRPr lang="ko-KR" altLang="en-US"/>
-                    </a:p>
-                  </a:txBody>
-                  <a:tcPr>
-                    <a:lnB w="12700" cap="flat" cmpd="sng" algn="ctr">
-                      <a:solidFill>
-                        <a:srgbClr val="000000"/>
-                      </a:solidFill>
-                      <a:prstDash val="solid"/>
-                      <a:round/>
-                    </a:lnB>
-                  </a:tcPr>
-                </a:tc>
-                <a:tc hMerge="1">
-                  <a:txBody>
-                    <a:bodyPr/>
-                    <a:lstStyle/>
-                    <a:p>
-                      <a:pPr>
-                        <a:defRPr/>
-                      </a:pPr>
-                      <a:endParaRPr lang="ko-KR" altLang="en-US"/>
-                    </a:p>
-                  </a:txBody>
-                  <a:tcPr>
-                    <a:lnB w="12700" cap="flat" cmpd="sng" algn="ctr">
-                      <a:solidFill>
-                        <a:srgbClr val="000000"/>
-                      </a:solidFill>
-                      <a:prstDash val="solid"/>
-                      <a:round/>
-                    </a:lnB>
-                  </a:tcPr>
-                </a:tc>
-                <a:tc hMerge="1">
-                  <a:txBody>
-                    <a:bodyPr/>
-                    <a:lstStyle/>
-                    <a:p>
-                      <a:pPr>
-                        <a:defRPr/>
-                      </a:pPr>
-                      <a:endParaRPr lang="ko-KR" altLang="en-US"/>
-                    </a:p>
-                  </a:txBody>
-                  <a:tcPr>
-                    <a:lnB w="12700" cap="flat" cmpd="sng" algn="ctr">
-                      <a:solidFill>
-                        <a:srgbClr val="000000"/>
-                      </a:solidFill>
-                      <a:prstDash val="solid"/>
-                      <a:round/>
-                    </a:lnB>
-                  </a:tcPr>
-                </a:tc>
-                <a:tc hMerge="1">
-                  <a:txBody>
-                    <a:bodyPr/>
-                    <a:lstStyle/>
-                    <a:p>
-                      <a:pPr>
-                        <a:defRPr/>
-                      </a:pPr>
-                      <a:endParaRPr lang="ko-KR" altLang="en-US"/>
-                    </a:p>
-                  </a:txBody>
-                  <a:tcPr>
-                    <a:lnB w="12700" cap="flat" cmpd="sng" algn="ctr">
-                      <a:solidFill>
-                        <a:srgbClr val="000000"/>
-                      </a:solidFill>
-                      <a:prstDash val="solid"/>
-                      <a:round/>
-                    </a:lnB>
-                  </a:tcPr>
-                </a:tc>
-                <a:tc hMerge="1">
-                  <a:txBody>
-                    <a:bodyPr/>
-                    <a:lstStyle/>
-                    <a:p>
-                      <a:pPr>
-                        <a:defRPr/>
-                      </a:pPr>
-                      <a:endParaRPr lang="ko-KR" altLang="en-US"/>
-                    </a:p>
-                  </a:txBody>
-                  <a:tcPr>
-                    <a:lnB w="12700" cap="flat" cmpd="sng" algn="ctr">
-                      <a:solidFill>
-                        <a:srgbClr val="000000"/>
-                      </a:solidFill>
-                      <a:prstDash val="solid"/>
-                      <a:round/>
-                    </a:lnB>
-                  </a:tcPr>
-                </a:tc>
-                <a:tc hMerge="1">
-                  <a:txBody>
-                    <a:bodyPr/>
-                    <a:lstStyle/>
-                    <a:p>
-                      <a:pPr>
-                        <a:defRPr/>
-                      </a:pPr>
-                      <a:endParaRPr lang="ko-KR" altLang="en-US"/>
-                    </a:p>
-                  </a:txBody>
-                  <a:tcPr>
-                    <a:lnB w="12700" cap="flat" cmpd="sng" algn="ctr">
-                      <a:solidFill>
-                        <a:srgbClr val="000000"/>
-                      </a:solidFill>
-                      <a:prstDash val="solid"/>
-                      <a:round/>
+                      <a:headEnd type="none" w="med" len="med"/>
+                      <a:tailEnd type="none" w="med" len="med"/>
                     </a:lnB>
                   </a:tcPr>
                 </a:tc>
@@ -11566,7 +11124,7 @@
                     </a:solidFill>
                   </a:tcPr>
                 </a:tc>
-                <a:tc>
+                <a:tc hMerge="1">
                   <a:txBody>
                     <a:bodyPr/>
                     <a:lstStyle/>
@@ -11574,7 +11132,36 @@
                       <a:pPr>
                         <a:defRPr/>
                       </a:pPr>
-                      <a:endParaRPr lang="ko-KR" altLang="en-US" sz="1600">
+                      <a:endParaRPr lang="ko-KR" altLang="en-US" sz="1600" dirty="0">
+                        <a:latin typeface="나눔바른고딕" panose="020B0603020101020101" pitchFamily="50" charset="-127"/>
+                        <a:ea typeface="나눔바른고딕" panose="020B0603020101020101" pitchFamily="50" charset="-127"/>
+                      </a:endParaRPr>
+                    </a:p>
+                  </a:txBody>
+                  <a:tcPr>
+                    <a:lnB w="12700" cap="flat" cmpd="sng" algn="ctr">
+                      <a:solidFill>
+                        <a:srgbClr val="000000"/>
+                      </a:solidFill>
+                      <a:prstDash val="solid"/>
+                      <a:round/>
+                      <a:headEnd type="none" w="med" len="med"/>
+                      <a:tailEnd type="none" w="med" len="med"/>
+                    </a:lnB>
+                    <a:solidFill>
+                      <a:srgbClr val="FFFF00"/>
+                    </a:solidFill>
+                  </a:tcPr>
+                </a:tc>
+                <a:tc hMerge="1">
+                  <a:txBody>
+                    <a:bodyPr/>
+                    <a:lstStyle/>
+                    <a:p>
+                      <a:pPr>
+                        <a:defRPr/>
+                      </a:pPr>
+                      <a:endParaRPr lang="ko-KR" altLang="en-US" sz="1600" dirty="0">
                         <a:latin typeface="나눔바른고딕" panose="020B0603020101020101" pitchFamily="50" charset="-127"/>
                         <a:ea typeface="나눔바른고딕" panose="020B0603020101020101" pitchFamily="50" charset="-127"/>
                       </a:endParaRPr>
@@ -11588,30 +11175,9 @@
                       <a:prstDash val="solid"/>
                       <a:round/>
                     </a:lnB>
-                  </a:tcPr>
-                </a:tc>
-                <a:tc gridSpan="2">
-                  <a:txBody>
-                    <a:bodyPr/>
-                    <a:lstStyle/>
-                    <a:p>
-                      <a:pPr>
-                        <a:defRPr/>
-                      </a:pPr>
-                      <a:endParaRPr lang="ko-KR" altLang="en-US" sz="1600">
-                        <a:latin typeface="나눔바른고딕" panose="020B0603020101020101" pitchFamily="50" charset="-127"/>
-                        <a:ea typeface="나눔바른고딕" panose="020B0603020101020101" pitchFamily="50" charset="-127"/>
-                      </a:endParaRPr>
-                    </a:p>
-                  </a:txBody>
-                  <a:tcPr>
-                    <a:lnB w="12700" cap="flat" cmpd="sng" algn="ctr">
-                      <a:solidFill>
-                        <a:srgbClr val="000000"/>
-                      </a:solidFill>
-                      <a:prstDash val="solid"/>
-                      <a:round/>
-                    </a:lnB>
+                    <a:solidFill>
+                      <a:srgbClr val="FFFF00"/>
+                    </a:solidFill>
                   </a:tcPr>
                 </a:tc>
                 <a:tc hMerge="1">
@@ -11643,7 +11209,7 @@
                       <a:pPr>
                         <a:defRPr/>
                       </a:pPr>
-                      <a:endParaRPr lang="ko-KR" altLang="en-US" sz="1600">
+                      <a:endParaRPr lang="ko-KR" altLang="en-US" sz="1600" dirty="0">
                         <a:latin typeface="나눔바른고딕" panose="020B0603020101020101" pitchFamily="50" charset="-127"/>
                         <a:ea typeface="나눔바른고딕" panose="020B0603020101020101" pitchFamily="50" charset="-127"/>
                       </a:endParaRPr>
@@ -11680,6 +11246,8 @@
                       </a:solidFill>
                       <a:prstDash val="solid"/>
                       <a:round/>
+                      <a:headEnd type="none" w="med" len="med"/>
+                      <a:tailEnd type="none" w="med" len="med"/>
                     </a:lnB>
                   </a:tcPr>
                 </a:tc>
@@ -11737,7 +11305,7 @@
                   </a:ext>
                 </a:extLst>
               </a:tr>
-              <a:tr h="294858">
+              <a:tr h="305049">
                 <a:tc>
                   <a:txBody>
                     <a:bodyPr/>
@@ -11753,46 +11321,14 @@
                     </a:p>
                   </a:txBody>
                   <a:tcPr>
-                    <a:lnR w="12700" cap="flat" cmpd="sng" algn="ctr">
-                      <a:solidFill>
-                        <a:srgbClr val="000000"/>
-                      </a:solidFill>
-                      <a:prstDash val="solid"/>
-                      <a:round/>
-                    </a:lnR>
-                    <a:lnT w="12700" cap="flat" cmpd="sng" algn="ctr">
-                      <a:solidFill>
-                        <a:srgbClr val="000000"/>
-                      </a:solidFill>
-                      <a:prstDash val="solid"/>
-                      <a:round/>
-                    </a:lnT>
-                    <a:solidFill>
-                      <a:schemeClr val="lt1"/>
-                    </a:solidFill>
-                  </a:tcPr>
-                </a:tc>
-                <a:tc>
-                  <a:txBody>
-                    <a:bodyPr/>
-                    <a:lstStyle/>
-                    <a:p>
-                      <a:pPr algn="ctr">
-                        <a:defRPr/>
-                      </a:pPr>
-                      <a:endParaRPr lang="ko-KR" altLang="en-US" sz="1600">
-                        <a:latin typeface="나눔바른고딕" panose="020B0603020101020101" pitchFamily="50" charset="-127"/>
-                        <a:ea typeface="나눔바른고딕" panose="020B0603020101020101" pitchFamily="50" charset="-127"/>
-                      </a:endParaRPr>
-                    </a:p>
-                  </a:txBody>
-                  <a:tcPr>
                     <a:lnL w="12700" cap="flat" cmpd="sng" algn="ctr">
                       <a:solidFill>
                         <a:srgbClr val="000000"/>
                       </a:solidFill>
                       <a:prstDash val="solid"/>
                       <a:round/>
+                      <a:headEnd type="none" w="med" len="med"/>
+                      <a:tailEnd type="none" w="med" len="med"/>
                     </a:lnL>
                     <a:lnR w="12700" cap="flat" cmpd="sng" algn="ctr">
                       <a:solidFill>
@@ -11807,13 +11343,15 @@
                       </a:solidFill>
                       <a:prstDash val="solid"/>
                       <a:round/>
+                      <a:headEnd type="none" w="med" len="med"/>
+                      <a:tailEnd type="none" w="med" len="med"/>
                     </a:lnT>
                     <a:solidFill>
                       <a:schemeClr val="lt1"/>
                     </a:solidFill>
                   </a:tcPr>
                 </a:tc>
-                <a:tc>
+                <a:tc gridSpan="2">
                   <a:txBody>
                     <a:bodyPr/>
                     <a:lstStyle/>
@@ -11821,7 +11359,7 @@
                       <a:pPr algn="ctr">
                         <a:defRPr/>
                       </a:pPr>
-                      <a:endParaRPr lang="ko-KR" altLang="en-US" sz="1600">
+                      <a:endParaRPr lang="ko-KR" altLang="en-US" sz="1600" dirty="0">
                         <a:latin typeface="나눔바른고딕" panose="020B0603020101020101" pitchFamily="50" charset="-127"/>
                         <a:ea typeface="나눔바른고딕" panose="020B0603020101020101" pitchFamily="50" charset="-127"/>
                       </a:endParaRPr>
@@ -11834,6 +11372,8 @@
                       </a:solidFill>
                       <a:prstDash val="solid"/>
                       <a:round/>
+                      <a:headEnd type="none" w="med" len="med"/>
+                      <a:tailEnd type="none" w="med" len="med"/>
                     </a:lnL>
                     <a:lnR w="12700" cap="flat" cmpd="sng" algn="ctr">
                       <a:solidFill>
@@ -11848,208 +11388,8 @@
                       </a:solidFill>
                       <a:prstDash val="solid"/>
                       <a:round/>
-                    </a:lnT>
-                    <a:solidFill>
-                      <a:schemeClr val="lt1"/>
-                    </a:solidFill>
-                  </a:tcPr>
-                </a:tc>
-                <a:tc gridSpan="3">
-                  <a:txBody>
-                    <a:bodyPr/>
-                    <a:lstStyle/>
-                    <a:p>
-                      <a:pPr algn="ctr">
-                        <a:defRPr/>
-                      </a:pPr>
-                      <a:r>
-                        <a:rPr lang="ko-KR" altLang="en-US" sz="1400">
-                          <a:latin typeface="나눔바른고딕" panose="020B0603020101020101" pitchFamily="50" charset="-127"/>
-                          <a:ea typeface="나눔바른고딕" panose="020B0603020101020101" pitchFamily="50" charset="-127"/>
-                        </a:rPr>
-                        <a:t>중간 보고서 준비</a:t>
-                      </a:r>
-                    </a:p>
-                  </a:txBody>
-                  <a:tcPr>
-                    <a:lnL w="12700" cap="flat" cmpd="sng" algn="ctr">
-                      <a:solidFill>
-                        <a:srgbClr val="000000"/>
-                      </a:solidFill>
-                      <a:prstDash val="solid"/>
-                      <a:round/>
-                    </a:lnL>
-                    <a:lnR w="12700" cap="flat" cmpd="sng" algn="ctr">
-                      <a:solidFill>
-                        <a:srgbClr val="000000"/>
-                      </a:solidFill>
-                      <a:prstDash val="solid"/>
-                      <a:round/>
-                    </a:lnR>
-                    <a:lnT w="12700" cap="flat" cmpd="sng" algn="ctr">
-                      <a:solidFill>
-                        <a:srgbClr val="000000"/>
-                      </a:solidFill>
-                      <a:prstDash val="solid"/>
-                      <a:round/>
-                    </a:lnT>
-                    <a:solidFill>
-                      <a:srgbClr val="FFFF00"/>
-                    </a:solidFill>
-                  </a:tcPr>
-                </a:tc>
-                <a:tc hMerge="1">
-                  <a:txBody>
-                    <a:bodyPr/>
-                    <a:lstStyle/>
-                    <a:p>
-                      <a:pPr>
-                        <a:defRPr/>
-                      </a:pPr>
-                      <a:endParaRPr lang="ko-KR" altLang="en-US"/>
-                    </a:p>
-                  </a:txBody>
-                  <a:tcPr>
-                    <a:lnL w="12700" cap="flat" cmpd="sng" algn="ctr">
-                      <a:solidFill>
-                        <a:srgbClr val="000000"/>
-                      </a:solidFill>
-                      <a:prstDash val="solid"/>
-                      <a:round/>
-                    </a:lnL>
-                    <a:lnR w="12700" cap="flat" cmpd="sng" algn="ctr">
-                      <a:solidFill>
-                        <a:srgbClr val="000000"/>
-                      </a:solidFill>
-                      <a:prstDash val="solid"/>
-                      <a:round/>
-                    </a:lnR>
-                    <a:lnT w="12700" cap="flat" cmpd="sng" algn="ctr">
-                      <a:solidFill>
-                        <a:srgbClr val="000000"/>
-                      </a:solidFill>
-                      <a:prstDash val="solid"/>
-                      <a:round/>
-                    </a:lnT>
-                    <a:solidFill>
-                      <a:schemeClr val="lt1"/>
-                    </a:solidFill>
-                  </a:tcPr>
-                </a:tc>
-                <a:tc hMerge="1">
-                  <a:txBody>
-                    <a:bodyPr/>
-                    <a:lstStyle/>
-                    <a:p>
-                      <a:pPr>
-                        <a:defRPr/>
-                      </a:pPr>
-                      <a:endParaRPr lang="ko-KR" altLang="en-US"/>
-                    </a:p>
-                  </a:txBody>
-                  <a:tcPr>
-                    <a:lnL w="12700" cap="flat" cmpd="sng" algn="ctr">
-                      <a:solidFill>
-                        <a:srgbClr val="000000"/>
-                      </a:solidFill>
-                      <a:prstDash val="solid"/>
-                      <a:round/>
-                    </a:lnL>
-                    <a:lnR w="12700" cap="flat" cmpd="sng" algn="ctr">
-                      <a:solidFill>
-                        <a:srgbClr val="000000"/>
-                      </a:solidFill>
-                      <a:prstDash val="solid"/>
-                      <a:round/>
-                    </a:lnR>
-                    <a:lnT w="12700" cap="flat" cmpd="sng" algn="ctr">
-                      <a:solidFill>
-                        <a:srgbClr val="000000"/>
-                      </a:solidFill>
-                      <a:prstDash val="solid"/>
-                      <a:round/>
-                    </a:lnT>
-                    <a:solidFill>
-                      <a:schemeClr val="lt1"/>
-                    </a:solidFill>
-                  </a:tcPr>
-                </a:tc>
-                <a:tc>
-                  <a:txBody>
-                    <a:bodyPr/>
-                    <a:lstStyle/>
-                    <a:p>
-                      <a:pPr algn="ctr">
-                        <a:defRPr/>
-                      </a:pPr>
-                      <a:endParaRPr lang="ko-KR" altLang="en-US" sz="1600">
-                        <a:latin typeface="나눔바른고딕" panose="020B0603020101020101" pitchFamily="50" charset="-127"/>
-                        <a:ea typeface="나눔바른고딕" panose="020B0603020101020101" pitchFamily="50" charset="-127"/>
-                      </a:endParaRPr>
-                    </a:p>
-                  </a:txBody>
-                  <a:tcPr>
-                    <a:lnL w="12700" cap="flat" cmpd="sng" algn="ctr">
-                      <a:solidFill>
-                        <a:srgbClr val="000000"/>
-                      </a:solidFill>
-                      <a:prstDash val="solid"/>
-                      <a:round/>
-                    </a:lnL>
-                    <a:lnR w="12700" cap="flat" cmpd="sng" algn="ctr">
-                      <a:solidFill>
-                        <a:srgbClr val="000000"/>
-                      </a:solidFill>
-                      <a:prstDash val="solid"/>
-                      <a:round/>
-                    </a:lnR>
-                    <a:lnT w="12700" cap="flat" cmpd="sng" algn="ctr">
-                      <a:solidFill>
-                        <a:srgbClr val="000000"/>
-                      </a:solidFill>
-                      <a:prstDash val="solid"/>
-                      <a:round/>
-                    </a:lnT>
-                    <a:solidFill>
-                      <a:schemeClr val="lt1"/>
-                    </a:solidFill>
-                  </a:tcPr>
-                </a:tc>
-                <a:tc gridSpan="2">
-                  <a:txBody>
-                    <a:bodyPr/>
-                    <a:lstStyle/>
-                    <a:p>
-                      <a:pPr algn="ctr">
-                        <a:defRPr/>
-                      </a:pPr>
-                      <a:endParaRPr lang="ko-KR" altLang="en-US" sz="1600">
-                        <a:latin typeface="나눔바른고딕" panose="020B0603020101020101" pitchFamily="50" charset="-127"/>
-                        <a:ea typeface="나눔바른고딕" panose="020B0603020101020101" pitchFamily="50" charset="-127"/>
-                      </a:endParaRPr>
-                    </a:p>
-                  </a:txBody>
-                  <a:tcPr>
-                    <a:lnL w="12700" cap="flat" cmpd="sng" algn="ctr">
-                      <a:solidFill>
-                        <a:srgbClr val="000000"/>
-                      </a:solidFill>
-                      <a:prstDash val="solid"/>
-                      <a:round/>
-                    </a:lnL>
-                    <a:lnR w="12700" cap="flat" cmpd="sng" algn="ctr">
-                      <a:solidFill>
-                        <a:srgbClr val="000000"/>
-                      </a:solidFill>
-                      <a:prstDash val="solid"/>
-                      <a:round/>
-                    </a:lnR>
-                    <a:lnT w="12700" cap="flat" cmpd="sng" algn="ctr">
-                      <a:solidFill>
-                        <a:srgbClr val="000000"/>
-                      </a:solidFill>
-                      <a:prstDash val="solid"/>
-                      <a:round/>
+                      <a:headEnd type="none" w="med" len="med"/>
+                      <a:tailEnd type="none" w="med" len="med"/>
                     </a:lnT>
                     <a:solidFill>
                       <a:schemeClr val="lt1"/>
@@ -12085,7 +11425,7 @@
                       <a:pPr algn="ctr">
                         <a:defRPr/>
                       </a:pPr>
-                      <a:endParaRPr lang="ko-KR" altLang="en-US" sz="1600">
+                      <a:endParaRPr lang="ko-KR" altLang="en-US" sz="1600" dirty="0">
                         <a:latin typeface="나눔바른고딕" panose="020B0603020101020101" pitchFamily="50" charset="-127"/>
                         <a:ea typeface="나눔바른고딕" panose="020B0603020101020101" pitchFamily="50" charset="-127"/>
                       </a:endParaRPr>
@@ -12119,7 +11459,7 @@
                       <a:pPr>
                         <a:defRPr/>
                       </a:pPr>
-                      <a:endParaRPr lang="ko-KR" altLang="en-US" sz="1600">
+                      <a:endParaRPr lang="ko-KR" altLang="en-US" sz="1600" dirty="0">
                         <a:latin typeface="나눔바른고딕" panose="020B0603020101020101" pitchFamily="50" charset="-127"/>
                         <a:ea typeface="나눔바른고딕" panose="020B0603020101020101" pitchFamily="50" charset="-127"/>
                       </a:endParaRPr>
@@ -12132,6 +11472,8 @@
                       </a:solidFill>
                       <a:prstDash val="solid"/>
                       <a:round/>
+                      <a:headEnd type="none" w="med" len="med"/>
+                      <a:tailEnd type="none" w="med" len="med"/>
                     </a:lnT>
                   </a:tcPr>
                 </a:tc>
@@ -12225,6 +11567,8 @@
                       </a:solidFill>
                       <a:prstDash val="solid"/>
                       <a:round/>
+                      <a:headEnd type="none" w="med" len="med"/>
+                      <a:tailEnd type="none" w="med" len="med"/>
                     </a:lnT>
                   </a:tcPr>
                 </a:tc>
@@ -12260,7 +11604,7 @@
                       <a:pPr>
                         <a:defRPr/>
                       </a:pPr>
-                      <a:endParaRPr lang="ko-KR" altLang="en-US" sz="1600">
+                      <a:endParaRPr lang="ko-KR" altLang="en-US" sz="1600" dirty="0">
                         <a:latin typeface="나눔바른고딕" panose="020B0603020101020101" pitchFamily="50" charset="-127"/>
                         <a:ea typeface="나눔바른고딕" panose="020B0603020101020101" pitchFamily="50" charset="-127"/>
                       </a:endParaRPr>
@@ -12282,135 +11626,31 @@
                   </a:ext>
                 </a:extLst>
               </a:tr>
-              <a:tr h="294858">
-                <a:tc>
-                  <a:txBody>
-                    <a:bodyPr/>
-                    <a:lstStyle/>
-                    <a:p>
-                      <a:pPr>
-                        <a:defRPr/>
-                      </a:pPr>
-                      <a:endParaRPr lang="ko-KR" altLang="en-US" sz="1600">
-                        <a:latin typeface="나눔바른고딕" panose="020B0603020101020101" pitchFamily="50" charset="-127"/>
-                        <a:ea typeface="나눔바른고딕" panose="020B0603020101020101" pitchFamily="50" charset="-127"/>
-                      </a:endParaRPr>
-                    </a:p>
-                  </a:txBody>
-                  <a:tcPr/>
-                </a:tc>
-                <a:tc>
-                  <a:txBody>
-                    <a:bodyPr/>
-                    <a:lstStyle/>
-                    <a:p>
-                      <a:pPr>
-                        <a:defRPr/>
-                      </a:pPr>
-                      <a:endParaRPr lang="ko-KR" altLang="en-US" sz="1600">
-                        <a:latin typeface="나눔바른고딕" panose="020B0603020101020101" pitchFamily="50" charset="-127"/>
-                        <a:ea typeface="나눔바른고딕" panose="020B0603020101020101" pitchFamily="50" charset="-127"/>
-                      </a:endParaRPr>
-                    </a:p>
-                  </a:txBody>
-                  <a:tcPr/>
-                </a:tc>
-                <a:tc>
-                  <a:txBody>
-                    <a:bodyPr/>
-                    <a:lstStyle/>
-                    <a:p>
-                      <a:pPr>
-                        <a:defRPr/>
-                      </a:pPr>
-                      <a:endParaRPr lang="ko-KR" altLang="en-US" sz="1600">
-                        <a:latin typeface="나눔바른고딕" panose="020B0603020101020101" pitchFamily="50" charset="-127"/>
-                        <a:ea typeface="나눔바른고딕" panose="020B0603020101020101" pitchFamily="50" charset="-127"/>
-                      </a:endParaRPr>
-                    </a:p>
-                  </a:txBody>
-                  <a:tcPr>
-                    <a:lnR w="12700" cap="flat" cmpd="sng" algn="ctr">
-                      <a:solidFill>
-                        <a:srgbClr val="000000"/>
-                      </a:solidFill>
-                      <a:prstDash val="solid"/>
-                      <a:round/>
-                    </a:lnR>
-                  </a:tcPr>
-                </a:tc>
-                <a:tc>
-                  <a:txBody>
-                    <a:bodyPr/>
-                    <a:lstStyle/>
-                    <a:p>
-                      <a:pPr>
-                        <a:defRPr/>
-                      </a:pPr>
-                      <a:endParaRPr lang="ko-KR" altLang="en-US" sz="1600" dirty="0">
-                        <a:latin typeface="나눔바른고딕" panose="020B0603020101020101" pitchFamily="50" charset="-127"/>
-                        <a:ea typeface="나눔바른고딕" panose="020B0603020101020101" pitchFamily="50" charset="-127"/>
-                      </a:endParaRPr>
-                    </a:p>
-                  </a:txBody>
-                  <a:tcPr>
-                    <a:lnL w="12700" cap="flat" cmpd="sng" algn="ctr">
-                      <a:solidFill>
-                        <a:srgbClr val="000000"/>
-                      </a:solidFill>
-                      <a:prstDash val="solid"/>
-                      <a:round/>
-                    </a:lnL>
-                    <a:lnR w="12700" cap="flat" cmpd="sng" algn="ctr">
-                      <a:solidFill>
-                        <a:srgbClr val="000000"/>
-                      </a:solidFill>
-                      <a:prstDash val="solid"/>
-                      <a:round/>
-                    </a:lnR>
-                  </a:tcPr>
-                </a:tc>
-                <a:tc>
-                  <a:txBody>
-                    <a:bodyPr/>
-                    <a:lstStyle/>
-                    <a:p>
-                      <a:pPr>
-                        <a:defRPr/>
-                      </a:pPr>
-                      <a:endParaRPr lang="ko-KR" altLang="en-US" sz="1600">
-                        <a:latin typeface="나눔바른고딕" panose="020B0603020101020101" pitchFamily="50" charset="-127"/>
-                        <a:ea typeface="나눔바른고딕" panose="020B0603020101020101" pitchFamily="50" charset="-127"/>
-                      </a:endParaRPr>
-                    </a:p>
-                  </a:txBody>
-                  <a:tcPr>
-                    <a:lnL w="12700" cap="flat" cmpd="sng" algn="ctr">
-                      <a:solidFill>
-                        <a:srgbClr val="000000"/>
-                      </a:solidFill>
-                      <a:prstDash val="solid"/>
-                      <a:round/>
-                    </a:lnL>
-                    <a:lnR w="12700" cap="flat" cmpd="sng" algn="ctr">
-                      <a:solidFill>
-                        <a:srgbClr val="000000"/>
-                      </a:solidFill>
-                      <a:prstDash val="solid"/>
-                      <a:round/>
-                    </a:lnR>
-                  </a:tcPr>
-                </a:tc>
+              <a:tr h="305049">
                 <a:tc gridSpan="8">
                   <a:txBody>
                     <a:bodyPr/>
                     <a:lstStyle/>
                     <a:p>
-                      <a:pPr algn="ctr">
+                      <a:pPr marL="0" marR="0" lvl="0" indent="0" algn="ctr" defTabSz="914400" rtl="0" eaLnBrk="1" fontAlgn="auto" latinLnBrk="1" hangingPunct="1">
+                        <a:lnSpc>
+                          <a:spcPct val="100000"/>
+                        </a:lnSpc>
+                        <a:spcBef>
+                          <a:spcPts val="0"/>
+                        </a:spcBef>
+                        <a:spcAft>
+                          <a:spcPts val="0"/>
+                        </a:spcAft>
+                        <a:buClrTx/>
+                        <a:buSzTx/>
+                        <a:buFontTx/>
+                        <a:buNone/>
+                        <a:tabLst/>
                         <a:defRPr/>
                       </a:pPr>
                       <a:r>
-                        <a:rPr lang="ko-KR" altLang="en-US" sz="1600">
+                        <a:rPr lang="ko-KR" altLang="en-US" sz="1600" dirty="0">
                           <a:latin typeface="나눔바른고딕" panose="020B0603020101020101" pitchFamily="50" charset="-127"/>
                           <a:ea typeface="나눔바른고딕" panose="020B0603020101020101" pitchFamily="50" charset="-127"/>
                         </a:rPr>
@@ -12419,13 +11659,6 @@
                     </a:p>
                   </a:txBody>
                   <a:tcPr>
-                    <a:lnL w="12700" cap="flat" cmpd="sng" algn="ctr">
-                      <a:solidFill>
-                        <a:srgbClr val="000000"/>
-                      </a:solidFill>
-                      <a:prstDash val="solid"/>
-                      <a:round/>
-                    </a:lnL>
                     <a:solidFill>
                       <a:srgbClr val="FFFF00"/>
                     </a:solidFill>
@@ -12517,20 +11750,7 @@
                       <a:pPr>
                         <a:defRPr/>
                       </a:pPr>
-                      <a:endParaRPr lang="ko-KR" altLang="en-US"/>
-                    </a:p>
-                  </a:txBody>
-                  <a:tcPr/>
-                </a:tc>
-                <a:tc>
-                  <a:txBody>
-                    <a:bodyPr/>
-                    <a:lstStyle/>
-                    <a:p>
-                      <a:pPr>
-                        <a:defRPr/>
-                      </a:pPr>
-                      <a:endParaRPr lang="ko-KR" altLang="en-US" sz="1600">
+                      <a:endParaRPr lang="ko-KR" altLang="en-US" sz="1600" dirty="0">
                         <a:latin typeface="나눔바른고딕" panose="020B0603020101020101" pitchFamily="50" charset="-127"/>
                         <a:ea typeface="나눔바른고딕" panose="020B0603020101020101" pitchFamily="50" charset="-127"/>
                       </a:endParaRPr>
@@ -12546,7 +11766,7 @@
                       <a:pPr>
                         <a:defRPr/>
                       </a:pPr>
-                      <a:endParaRPr lang="ko-KR" altLang="en-US" sz="1600">
+                      <a:endParaRPr lang="ko-KR" altLang="en-US" sz="1600" dirty="0">
                         <a:latin typeface="나눔바른고딕" panose="020B0603020101020101" pitchFamily="50" charset="-127"/>
                         <a:ea typeface="나눔바른고딕" panose="020B0603020101020101" pitchFamily="50" charset="-127"/>
                       </a:endParaRPr>
@@ -12592,31 +11812,7 @@
                   </a:ext>
                 </a:extLst>
               </a:tr>
-              <a:tr h="294858">
-                <a:tc>
-                  <a:txBody>
-                    <a:bodyPr/>
-                    <a:lstStyle/>
-                    <a:p>
-                      <a:pPr>
-                        <a:defRPr/>
-                      </a:pPr>
-                      <a:endParaRPr lang="ko-KR" altLang="en-US" sz="1600">
-                        <a:latin typeface="나눔바른고딕" panose="020B0603020101020101" pitchFamily="50" charset="-127"/>
-                        <a:ea typeface="나눔바른고딕" panose="020B0603020101020101" pitchFamily="50" charset="-127"/>
-                      </a:endParaRPr>
-                    </a:p>
-                  </a:txBody>
-                  <a:tcPr>
-                    <a:lnB w="12700" cap="flat" cmpd="sng" algn="ctr">
-                      <a:solidFill>
-                        <a:srgbClr val="000000"/>
-                      </a:solidFill>
-                      <a:prstDash val="solid"/>
-                      <a:round/>
-                    </a:lnB>
-                  </a:tcPr>
-                </a:tc>
+              <a:tr h="305049">
                 <a:tc>
                   <a:txBody>
                     <a:bodyPr/>
@@ -12626,126 +11822,6 @@
                         <a:defRPr/>
                       </a:pPr>
                       <a:endParaRPr lang="ko-KR" altLang="en-US" sz="1600" dirty="0">
-                        <a:latin typeface="나눔바른고딕" panose="020B0603020101020101" pitchFamily="50" charset="-127"/>
-                        <a:ea typeface="나눔바른고딕" panose="020B0603020101020101" pitchFamily="50" charset="-127"/>
-                      </a:endParaRPr>
-                    </a:p>
-                  </a:txBody>
-                  <a:tcPr>
-                    <a:lnB w="12700" cap="flat" cmpd="sng" algn="ctr">
-                      <a:solidFill>
-                        <a:srgbClr val="000000"/>
-                      </a:solidFill>
-                      <a:prstDash val="solid"/>
-                      <a:round/>
-                    </a:lnB>
-                  </a:tcPr>
-                </a:tc>
-                <a:tc>
-                  <a:txBody>
-                    <a:bodyPr/>
-                    <a:lstStyle/>
-                    <a:p>
-                      <a:pPr>
-                        <a:defRPr/>
-                      </a:pPr>
-                      <a:endParaRPr lang="ko-KR" altLang="en-US" sz="1600">
-                        <a:latin typeface="나눔바른고딕" panose="020B0603020101020101" pitchFamily="50" charset="-127"/>
-                        <a:ea typeface="나눔바른고딕" panose="020B0603020101020101" pitchFamily="50" charset="-127"/>
-                      </a:endParaRPr>
-                    </a:p>
-                  </a:txBody>
-                  <a:tcPr>
-                    <a:lnB w="12700" cap="flat" cmpd="sng" algn="ctr">
-                      <a:solidFill>
-                        <a:srgbClr val="000000"/>
-                      </a:solidFill>
-                      <a:prstDash val="solid"/>
-                      <a:round/>
-                    </a:lnB>
-                  </a:tcPr>
-                </a:tc>
-                <a:tc>
-                  <a:txBody>
-                    <a:bodyPr/>
-                    <a:lstStyle/>
-                    <a:p>
-                      <a:pPr>
-                        <a:defRPr/>
-                      </a:pPr>
-                      <a:endParaRPr lang="ko-KR" altLang="en-US" sz="1600">
-                        <a:latin typeface="나눔바른고딕" panose="020B0603020101020101" pitchFamily="50" charset="-127"/>
-                        <a:ea typeface="나눔바른고딕" panose="020B0603020101020101" pitchFamily="50" charset="-127"/>
-                      </a:endParaRPr>
-                    </a:p>
-                  </a:txBody>
-                  <a:tcPr>
-                    <a:lnB w="12700" cap="flat" cmpd="sng" algn="ctr">
-                      <a:solidFill>
-                        <a:srgbClr val="000000"/>
-                      </a:solidFill>
-                      <a:prstDash val="solid"/>
-                      <a:round/>
-                    </a:lnB>
-                  </a:tcPr>
-                </a:tc>
-                <a:tc>
-                  <a:txBody>
-                    <a:bodyPr/>
-                    <a:lstStyle/>
-                    <a:p>
-                      <a:pPr>
-                        <a:defRPr/>
-                      </a:pPr>
-                      <a:endParaRPr lang="ko-KR" altLang="en-US" sz="1600">
-                        <a:latin typeface="나눔바른고딕" panose="020B0603020101020101" pitchFamily="50" charset="-127"/>
-                        <a:ea typeface="나눔바른고딕" panose="020B0603020101020101" pitchFamily="50" charset="-127"/>
-                      </a:endParaRPr>
-                    </a:p>
-                  </a:txBody>
-                  <a:tcPr>
-                    <a:lnB w="12700" cap="flat" cmpd="sng" algn="ctr">
-                      <a:solidFill>
-                        <a:srgbClr val="000000"/>
-                      </a:solidFill>
-                      <a:prstDash val="solid"/>
-                      <a:round/>
-                    </a:lnB>
-                  </a:tcPr>
-                </a:tc>
-                <a:tc>
-                  <a:txBody>
-                    <a:bodyPr/>
-                    <a:lstStyle/>
-                    <a:p>
-                      <a:pPr>
-                        <a:defRPr/>
-                      </a:pPr>
-                      <a:endParaRPr lang="ko-KR" altLang="en-US" sz="1600">
-                        <a:latin typeface="나눔바른고딕" panose="020B0603020101020101" pitchFamily="50" charset="-127"/>
-                        <a:ea typeface="나눔바른고딕" panose="020B0603020101020101" pitchFamily="50" charset="-127"/>
-                      </a:endParaRPr>
-                    </a:p>
-                  </a:txBody>
-                  <a:tcPr>
-                    <a:lnB w="12700" cap="flat" cmpd="sng" algn="ctr">
-                      <a:solidFill>
-                        <a:srgbClr val="000000"/>
-                      </a:solidFill>
-                      <a:prstDash val="solid"/>
-                      <a:round/>
-                    </a:lnB>
-                  </a:tcPr>
-                </a:tc>
-                <a:tc>
-                  <a:txBody>
-                    <a:bodyPr/>
-                    <a:lstStyle/>
-                    <a:p>
-                      <a:pPr>
-                        <a:defRPr/>
-                      </a:pPr>
-                      <a:endParaRPr lang="ko-KR" altLang="en-US" sz="1600">
                         <a:latin typeface="나눔바른고딕" panose="020B0603020101020101" pitchFamily="50" charset="-127"/>
                         <a:ea typeface="나눔바른고딕" panose="020B0603020101020101" pitchFamily="50" charset="-127"/>
                       </a:endParaRPr>
@@ -12765,6 +11841,8 @@
                       </a:solidFill>
                       <a:prstDash val="solid"/>
                       <a:round/>
+                      <a:headEnd type="none" w="med" len="med"/>
+                      <a:tailEnd type="none" w="med" len="med"/>
                     </a:lnB>
                   </a:tcPr>
                 </a:tc>
@@ -12777,7 +11855,7 @@
                         <a:defRPr/>
                       </a:pPr>
                       <a:r>
-                        <a:rPr lang="ko-KR" altLang="en-US" sz="1600">
+                        <a:rPr lang="ko-KR" altLang="en-US" sz="1600" dirty="0">
                           <a:latin typeface="나눔바른고딕" panose="020B0603020101020101" pitchFamily="50" charset="-127"/>
                           <a:ea typeface="나눔바른고딕" panose="020B0603020101020101" pitchFamily="50" charset="-127"/>
                         </a:rPr>
@@ -12792,6 +11870,8 @@
                       </a:solidFill>
                       <a:prstDash val="solid"/>
                       <a:round/>
+                      <a:headEnd type="none" w="med" len="med"/>
+                      <a:tailEnd type="none" w="med" len="med"/>
                     </a:lnL>
                     <a:lnB w="12700" cap="flat" cmpd="sng" algn="ctr">
                       <a:solidFill>
@@ -12799,6 +11879,8 @@
                       </a:solidFill>
                       <a:prstDash val="solid"/>
                       <a:round/>
+                      <a:headEnd type="none" w="med" len="med"/>
+                      <a:tailEnd type="none" w="med" len="med"/>
                     </a:lnB>
                     <a:solidFill>
                       <a:srgbClr val="FFFF00"/>
@@ -12857,6 +11939,8 @@
                       </a:solidFill>
                       <a:prstDash val="solid"/>
                       <a:round/>
+                      <a:headEnd type="none" w="med" len="med"/>
+                      <a:tailEnd type="none" w="med" len="med"/>
                     </a:lnB>
                   </a:tcPr>
                 </a:tc>
@@ -12933,6 +12017,8 @@
                       </a:solidFill>
                       <a:prstDash val="solid"/>
                       <a:round/>
+                      <a:headEnd type="none" w="med" len="med"/>
+                      <a:tailEnd type="none" w="med" len="med"/>
                     </a:lnB>
                   </a:tcPr>
                 </a:tc>
@@ -12990,193 +12076,7 @@
                   </a:ext>
                 </a:extLst>
               </a:tr>
-              <a:tr h="294858">
-                <a:tc>
-                  <a:txBody>
-                    <a:bodyPr/>
-                    <a:lstStyle/>
-                    <a:p>
-                      <a:pPr>
-                        <a:defRPr/>
-                      </a:pPr>
-                      <a:endParaRPr lang="ko-KR" altLang="en-US" sz="1600">
-                        <a:latin typeface="나눔바른고딕" panose="020B0603020101020101" pitchFamily="50" charset="-127"/>
-                        <a:ea typeface="나눔바른고딕" panose="020B0603020101020101" pitchFamily="50" charset="-127"/>
-                      </a:endParaRPr>
-                    </a:p>
-                  </a:txBody>
-                  <a:tcPr>
-                    <a:lnT w="12700" cap="flat" cmpd="sng" algn="ctr">
-                      <a:solidFill>
-                        <a:srgbClr val="000000"/>
-                      </a:solidFill>
-                      <a:prstDash val="solid"/>
-                      <a:round/>
-                    </a:lnT>
-                    <a:lnB w="12700" cap="flat" cmpd="sng" algn="ctr">
-                      <a:solidFill>
-                        <a:srgbClr val="000000"/>
-                      </a:solidFill>
-                      <a:prstDash val="solid"/>
-                      <a:round/>
-                    </a:lnB>
-                  </a:tcPr>
-                </a:tc>
-                <a:tc>
-                  <a:txBody>
-                    <a:bodyPr/>
-                    <a:lstStyle/>
-                    <a:p>
-                      <a:pPr>
-                        <a:defRPr/>
-                      </a:pPr>
-                      <a:endParaRPr lang="ko-KR" altLang="en-US" sz="1600">
-                        <a:latin typeface="나눔바른고딕" panose="020B0603020101020101" pitchFamily="50" charset="-127"/>
-                        <a:ea typeface="나눔바른고딕" panose="020B0603020101020101" pitchFamily="50" charset="-127"/>
-                      </a:endParaRPr>
-                    </a:p>
-                  </a:txBody>
-                  <a:tcPr>
-                    <a:lnT w="12700" cap="flat" cmpd="sng" algn="ctr">
-                      <a:solidFill>
-                        <a:srgbClr val="000000"/>
-                      </a:solidFill>
-                      <a:prstDash val="solid"/>
-                      <a:round/>
-                    </a:lnT>
-                    <a:lnB w="12700" cap="flat" cmpd="sng" algn="ctr">
-                      <a:solidFill>
-                        <a:srgbClr val="000000"/>
-                      </a:solidFill>
-                      <a:prstDash val="solid"/>
-                      <a:round/>
-                    </a:lnB>
-                  </a:tcPr>
-                </a:tc>
-                <a:tc>
-                  <a:txBody>
-                    <a:bodyPr/>
-                    <a:lstStyle/>
-                    <a:p>
-                      <a:pPr>
-                        <a:defRPr/>
-                      </a:pPr>
-                      <a:endParaRPr lang="ko-KR" altLang="en-US" sz="1600">
-                        <a:latin typeface="나눔바른고딕" panose="020B0603020101020101" pitchFamily="50" charset="-127"/>
-                        <a:ea typeface="나눔바른고딕" panose="020B0603020101020101" pitchFamily="50" charset="-127"/>
-                      </a:endParaRPr>
-                    </a:p>
-                  </a:txBody>
-                  <a:tcPr>
-                    <a:lnT w="12700" cap="flat" cmpd="sng" algn="ctr">
-                      <a:solidFill>
-                        <a:srgbClr val="000000"/>
-                      </a:solidFill>
-                      <a:prstDash val="solid"/>
-                      <a:round/>
-                    </a:lnT>
-                    <a:lnB w="12700" cap="flat" cmpd="sng" algn="ctr">
-                      <a:solidFill>
-                        <a:srgbClr val="000000"/>
-                      </a:solidFill>
-                      <a:prstDash val="solid"/>
-                      <a:round/>
-                    </a:lnB>
-                  </a:tcPr>
-                </a:tc>
-                <a:tc>
-                  <a:txBody>
-                    <a:bodyPr/>
-                    <a:lstStyle/>
-                    <a:p>
-                      <a:pPr>
-                        <a:defRPr/>
-                      </a:pPr>
-                      <a:endParaRPr lang="ko-KR" altLang="en-US" sz="1600">
-                        <a:latin typeface="나눔바른고딕" panose="020B0603020101020101" pitchFamily="50" charset="-127"/>
-                        <a:ea typeface="나눔바른고딕" panose="020B0603020101020101" pitchFamily="50" charset="-127"/>
-                      </a:endParaRPr>
-                    </a:p>
-                  </a:txBody>
-                  <a:tcPr>
-                    <a:lnT w="12700" cap="flat" cmpd="sng" algn="ctr">
-                      <a:solidFill>
-                        <a:srgbClr val="000000"/>
-                      </a:solidFill>
-                      <a:prstDash val="solid"/>
-                      <a:round/>
-                    </a:lnT>
-                    <a:lnB w="12700" cap="flat" cmpd="sng" algn="ctr">
-                      <a:solidFill>
-                        <a:srgbClr val="000000"/>
-                      </a:solidFill>
-                      <a:prstDash val="solid"/>
-                      <a:round/>
-                    </a:lnB>
-                  </a:tcPr>
-                </a:tc>
-                <a:tc>
-                  <a:txBody>
-                    <a:bodyPr/>
-                    <a:lstStyle/>
-                    <a:p>
-                      <a:pPr>
-                        <a:defRPr/>
-                      </a:pPr>
-                      <a:endParaRPr lang="ko-KR" altLang="en-US" sz="1600">
-                        <a:latin typeface="나눔바른고딕" panose="020B0603020101020101" pitchFamily="50" charset="-127"/>
-                        <a:ea typeface="나눔바른고딕" panose="020B0603020101020101" pitchFamily="50" charset="-127"/>
-                      </a:endParaRPr>
-                    </a:p>
-                  </a:txBody>
-                  <a:tcPr>
-                    <a:lnT w="12700" cap="flat" cmpd="sng" algn="ctr">
-                      <a:solidFill>
-                        <a:srgbClr val="000000"/>
-                      </a:solidFill>
-                      <a:prstDash val="solid"/>
-                      <a:round/>
-                    </a:lnT>
-                    <a:lnB w="12700" cap="flat" cmpd="sng" algn="ctr">
-                      <a:solidFill>
-                        <a:srgbClr val="000000"/>
-                      </a:solidFill>
-                      <a:prstDash val="solid"/>
-                      <a:round/>
-                    </a:lnB>
-                  </a:tcPr>
-                </a:tc>
-                <a:tc>
-                  <a:txBody>
-                    <a:bodyPr/>
-                    <a:lstStyle/>
-                    <a:p>
-                      <a:pPr>
-                        <a:defRPr/>
-                      </a:pPr>
-                      <a:endParaRPr lang="ko-KR" altLang="en-US" sz="1600">
-                        <a:latin typeface="나눔바른고딕" panose="020B0603020101020101" pitchFamily="50" charset="-127"/>
-                        <a:ea typeface="나눔바른고딕" panose="020B0603020101020101" pitchFamily="50" charset="-127"/>
-                      </a:endParaRPr>
-                    </a:p>
-                  </a:txBody>
-                  <a:tcPr>
-                    <a:lnT w="12700" cap="flat" cmpd="sng" algn="ctr">
-                      <a:solidFill>
-                        <a:srgbClr val="000000"/>
-                      </a:solidFill>
-                      <a:prstDash val="solid"/>
-                      <a:round/>
-                    </a:lnT>
-                    <a:lnB w="12700" cap="flat" cmpd="sng" algn="ctr">
-                      <a:solidFill>
-                        <a:srgbClr val="000000"/>
-                      </a:solidFill>
-                      <a:prstDash val="solid"/>
-                      <a:round/>
-                    </a:lnB>
-                  </a:tcPr>
-                </a:tc>
+              <a:tr h="305049">
                 <a:tc>
                   <a:txBody>
                     <a:bodyPr/>
@@ -13205,6 +12105,8 @@
                       </a:solidFill>
                       <a:prstDash val="solid"/>
                       <a:round/>
+                      <a:headEnd type="none" w="med" len="med"/>
+                      <a:tailEnd type="none" w="med" len="med"/>
                     </a:lnT>
                     <a:lnB w="12700" cap="flat" cmpd="sng" algn="ctr">
                       <a:solidFill>
@@ -13212,6 +12114,8 @@
                       </a:solidFill>
                       <a:prstDash val="solid"/>
                       <a:round/>
+                      <a:headEnd type="none" w="med" len="med"/>
+                      <a:tailEnd type="none" w="med" len="med"/>
                     </a:lnB>
                   </a:tcPr>
                 </a:tc>
@@ -13223,7 +12127,7 @@
                       <a:pPr algn="ctr">
                         <a:defRPr/>
                       </a:pPr>
-                      <a:endParaRPr lang="ko-KR" altLang="en-US" sz="1600">
+                      <a:endParaRPr lang="ko-KR" altLang="en-US" sz="1600" dirty="0">
                         <a:latin typeface="나눔바른고딕" panose="020B0603020101020101" pitchFamily="50" charset="-127"/>
                         <a:ea typeface="나눔바른고딕" panose="020B0603020101020101" pitchFamily="50" charset="-127"/>
                       </a:endParaRPr>
@@ -13236,6 +12140,8 @@
                       </a:solidFill>
                       <a:prstDash val="solid"/>
                       <a:round/>
+                      <a:headEnd type="none" w="med" len="med"/>
+                      <a:tailEnd type="none" w="med" len="med"/>
                     </a:lnL>
                     <a:lnR w="12700" cap="flat" cmpd="sng" algn="ctr">
                       <a:solidFill>
@@ -13250,6 +12156,8 @@
                       </a:solidFill>
                       <a:prstDash val="solid"/>
                       <a:round/>
+                      <a:headEnd type="none" w="med" len="med"/>
+                      <a:tailEnd type="none" w="med" len="med"/>
                     </a:lnT>
                     <a:lnB w="12700" cap="flat" cmpd="sng" algn="ctr">
                       <a:solidFill>
@@ -13257,6 +12165,8 @@
                       </a:solidFill>
                       <a:prstDash val="solid"/>
                       <a:round/>
+                      <a:headEnd type="none" w="med" len="med"/>
+                      <a:tailEnd type="none" w="med" len="med"/>
                     </a:lnB>
                     <a:solidFill>
                       <a:schemeClr val="lt1"/>
@@ -13348,6 +12258,8 @@
                       </a:solidFill>
                       <a:prstDash val="solid"/>
                       <a:round/>
+                      <a:headEnd type="none" w="med" len="med"/>
+                      <a:tailEnd type="none" w="med" len="med"/>
                     </a:lnL>
                     <a:lnT w="12700" cap="flat" cmpd="sng" algn="ctr">
                       <a:solidFill>
@@ -13355,6 +12267,8 @@
                       </a:solidFill>
                       <a:prstDash val="solid"/>
                       <a:round/>
+                      <a:headEnd type="none" w="med" len="med"/>
+                      <a:tailEnd type="none" w="med" len="med"/>
                     </a:lnT>
                     <a:lnB w="12700" cap="flat" cmpd="sng" algn="ctr">
                       <a:solidFill>
@@ -13362,6 +12276,8 @@
                       </a:solidFill>
                       <a:prstDash val="solid"/>
                       <a:round/>
+                      <a:headEnd type="none" w="med" len="med"/>
+                      <a:tailEnd type="none" w="med" len="med"/>
                     </a:lnB>
                     <a:solidFill>
                       <a:srgbClr val="FFFF00"/>
@@ -13480,6 +12396,8 @@
                       </a:solidFill>
                       <a:prstDash val="solid"/>
                       <a:round/>
+                      <a:headEnd type="none" w="med" len="med"/>
+                      <a:tailEnd type="none" w="med" len="med"/>
                     </a:lnT>
                     <a:lnB w="12700" cap="flat" cmpd="sng" algn="ctr">
                       <a:solidFill>
@@ -13487,6 +12405,8 @@
                       </a:solidFill>
                       <a:prstDash val="solid"/>
                       <a:round/>
+                      <a:headEnd type="none" w="med" len="med"/>
+                      <a:tailEnd type="none" w="med" len="med"/>
                     </a:lnB>
                   </a:tcPr>
                 </a:tc>
@@ -13555,7 +12475,7 @@
                   </a:ext>
                 </a:extLst>
               </a:tr>
-              <a:tr h="516002">
+              <a:tr h="471439">
                 <a:tc>
                   <a:txBody>
                     <a:bodyPr/>
@@ -13564,193 +12484,7 @@
                       <a:pPr>
                         <a:defRPr/>
                       </a:pPr>
-                      <a:endParaRPr lang="ko-KR" altLang="en-US" sz="1600">
-                        <a:latin typeface="나눔바른고딕" panose="020B0603020101020101" pitchFamily="50" charset="-127"/>
-                        <a:ea typeface="나눔바른고딕" panose="020B0603020101020101" pitchFamily="50" charset="-127"/>
-                      </a:endParaRPr>
-                    </a:p>
-                  </a:txBody>
-                  <a:tcPr>
-                    <a:lnT w="12700" cap="flat" cmpd="sng" algn="ctr">
-                      <a:solidFill>
-                        <a:srgbClr val="000000"/>
-                      </a:solidFill>
-                      <a:prstDash val="solid"/>
-                      <a:round/>
-                    </a:lnT>
-                    <a:lnB w="12700" cap="flat" cmpd="sng" algn="ctr">
-                      <a:solidFill>
-                        <a:srgbClr val="000000"/>
-                      </a:solidFill>
-                      <a:prstDash val="solid"/>
-                      <a:round/>
-                    </a:lnB>
-                  </a:tcPr>
-                </a:tc>
-                <a:tc>
-                  <a:txBody>
-                    <a:bodyPr/>
-                    <a:lstStyle/>
-                    <a:p>
-                      <a:pPr>
-                        <a:defRPr/>
-                      </a:pPr>
-                      <a:endParaRPr lang="ko-KR" altLang="en-US" sz="1600">
-                        <a:latin typeface="나눔바른고딕" panose="020B0603020101020101" pitchFamily="50" charset="-127"/>
-                        <a:ea typeface="나눔바른고딕" panose="020B0603020101020101" pitchFamily="50" charset="-127"/>
-                      </a:endParaRPr>
-                    </a:p>
-                  </a:txBody>
-                  <a:tcPr>
-                    <a:lnT w="12700" cap="flat" cmpd="sng" algn="ctr">
-                      <a:solidFill>
-                        <a:srgbClr val="000000"/>
-                      </a:solidFill>
-                      <a:prstDash val="solid"/>
-                      <a:round/>
-                    </a:lnT>
-                    <a:lnB w="12700" cap="flat" cmpd="sng" algn="ctr">
-                      <a:solidFill>
-                        <a:srgbClr val="000000"/>
-                      </a:solidFill>
-                      <a:prstDash val="solid"/>
-                      <a:round/>
-                    </a:lnB>
-                  </a:tcPr>
-                </a:tc>
-                <a:tc>
-                  <a:txBody>
-                    <a:bodyPr/>
-                    <a:lstStyle/>
-                    <a:p>
-                      <a:pPr>
-                        <a:defRPr/>
-                      </a:pPr>
-                      <a:endParaRPr lang="ko-KR" altLang="en-US" sz="1600">
-                        <a:latin typeface="나눔바른고딕" panose="020B0603020101020101" pitchFamily="50" charset="-127"/>
-                        <a:ea typeface="나눔바른고딕" panose="020B0603020101020101" pitchFamily="50" charset="-127"/>
-                      </a:endParaRPr>
-                    </a:p>
-                  </a:txBody>
-                  <a:tcPr>
-                    <a:lnT w="12700" cap="flat" cmpd="sng" algn="ctr">
-                      <a:solidFill>
-                        <a:srgbClr val="000000"/>
-                      </a:solidFill>
-                      <a:prstDash val="solid"/>
-                      <a:round/>
-                    </a:lnT>
-                    <a:lnB w="12700" cap="flat" cmpd="sng" algn="ctr">
-                      <a:solidFill>
-                        <a:srgbClr val="000000"/>
-                      </a:solidFill>
-                      <a:prstDash val="solid"/>
-                      <a:round/>
-                    </a:lnB>
-                  </a:tcPr>
-                </a:tc>
-                <a:tc>
-                  <a:txBody>
-                    <a:bodyPr/>
-                    <a:lstStyle/>
-                    <a:p>
-                      <a:pPr>
-                        <a:defRPr/>
-                      </a:pPr>
-                      <a:endParaRPr lang="ko-KR" altLang="en-US" sz="1600">
-                        <a:latin typeface="나눔바른고딕" panose="020B0603020101020101" pitchFamily="50" charset="-127"/>
-                        <a:ea typeface="나눔바른고딕" panose="020B0603020101020101" pitchFamily="50" charset="-127"/>
-                      </a:endParaRPr>
-                    </a:p>
-                  </a:txBody>
-                  <a:tcPr>
-                    <a:lnT w="12700" cap="flat" cmpd="sng" algn="ctr">
-                      <a:solidFill>
-                        <a:srgbClr val="000000"/>
-                      </a:solidFill>
-                      <a:prstDash val="solid"/>
-                      <a:round/>
-                    </a:lnT>
-                    <a:lnB w="12700" cap="flat" cmpd="sng" algn="ctr">
-                      <a:solidFill>
-                        <a:srgbClr val="000000"/>
-                      </a:solidFill>
-                      <a:prstDash val="solid"/>
-                      <a:round/>
-                    </a:lnB>
-                  </a:tcPr>
-                </a:tc>
-                <a:tc>
-                  <a:txBody>
-                    <a:bodyPr/>
-                    <a:lstStyle/>
-                    <a:p>
-                      <a:pPr>
-                        <a:defRPr/>
-                      </a:pPr>
-                      <a:endParaRPr lang="ko-KR" altLang="en-US" sz="1600">
-                        <a:latin typeface="나눔바른고딕" panose="020B0603020101020101" pitchFamily="50" charset="-127"/>
-                        <a:ea typeface="나눔바른고딕" panose="020B0603020101020101" pitchFamily="50" charset="-127"/>
-                      </a:endParaRPr>
-                    </a:p>
-                  </a:txBody>
-                  <a:tcPr>
-                    <a:lnT w="12700" cap="flat" cmpd="sng" algn="ctr">
-                      <a:solidFill>
-                        <a:srgbClr val="000000"/>
-                      </a:solidFill>
-                      <a:prstDash val="solid"/>
-                      <a:round/>
-                    </a:lnT>
-                    <a:lnB w="12700" cap="flat" cmpd="sng" algn="ctr">
-                      <a:solidFill>
-                        <a:srgbClr val="000000"/>
-                      </a:solidFill>
-                      <a:prstDash val="solid"/>
-                      <a:round/>
-                    </a:lnB>
-                  </a:tcPr>
-                </a:tc>
-                <a:tc>
-                  <a:txBody>
-                    <a:bodyPr/>
-                    <a:lstStyle/>
-                    <a:p>
-                      <a:pPr>
-                        <a:defRPr/>
-                      </a:pPr>
-                      <a:endParaRPr lang="ko-KR" altLang="en-US" sz="1600">
-                        <a:latin typeface="나눔바른고딕" panose="020B0603020101020101" pitchFamily="50" charset="-127"/>
-                        <a:ea typeface="나눔바른고딕" panose="020B0603020101020101" pitchFamily="50" charset="-127"/>
-                      </a:endParaRPr>
-                    </a:p>
-                  </a:txBody>
-                  <a:tcPr>
-                    <a:lnT w="12700" cap="flat" cmpd="sng" algn="ctr">
-                      <a:solidFill>
-                        <a:srgbClr val="000000"/>
-                      </a:solidFill>
-                      <a:prstDash val="solid"/>
-                      <a:round/>
-                    </a:lnT>
-                    <a:lnB w="12700" cap="flat" cmpd="sng" algn="ctr">
-                      <a:solidFill>
-                        <a:srgbClr val="000000"/>
-                      </a:solidFill>
-                      <a:prstDash val="solid"/>
-                      <a:round/>
-                    </a:lnB>
-                  </a:tcPr>
-                </a:tc>
-                <a:tc>
-                  <a:txBody>
-                    <a:bodyPr/>
-                    <a:lstStyle/>
-                    <a:p>
-                      <a:pPr>
-                        <a:defRPr/>
-                      </a:pPr>
-                      <a:endParaRPr lang="ko-KR" altLang="en-US" sz="1600">
+                      <a:endParaRPr lang="ko-KR" altLang="en-US" sz="1600" dirty="0">
                         <a:latin typeface="나눔바른고딕" panose="020B0603020101020101" pitchFamily="50" charset="-127"/>
                         <a:ea typeface="나눔바른고딕" panose="020B0603020101020101" pitchFamily="50" charset="-127"/>
                       </a:endParaRPr>
@@ -13770,6 +12504,8 @@
                       </a:solidFill>
                       <a:prstDash val="solid"/>
                       <a:round/>
+                      <a:headEnd type="none" w="med" len="med"/>
+                      <a:tailEnd type="none" w="med" len="med"/>
                     </a:lnT>
                     <a:lnB w="12700" cap="flat" cmpd="sng" algn="ctr">
                       <a:solidFill>
@@ -13788,7 +12524,7 @@
                       <a:pPr algn="ctr">
                         <a:defRPr/>
                       </a:pPr>
-                      <a:endParaRPr lang="ko-KR" altLang="en-US" sz="1600">
+                      <a:endParaRPr lang="ko-KR" altLang="en-US" sz="1600" dirty="0">
                         <a:latin typeface="나눔바른고딕" panose="020B0603020101020101" pitchFamily="50" charset="-127"/>
                         <a:ea typeface="나눔바른고딕" panose="020B0603020101020101" pitchFamily="50" charset="-127"/>
                       </a:endParaRPr>
@@ -13801,6 +12537,8 @@
                       </a:solidFill>
                       <a:prstDash val="solid"/>
                       <a:round/>
+                      <a:headEnd type="none" w="med" len="med"/>
+                      <a:tailEnd type="none" w="med" len="med"/>
                     </a:lnL>
                     <a:lnR w="12700" cap="flat" cmpd="sng" algn="ctr">
                       <a:solidFill>
@@ -13815,6 +12553,8 @@
                       </a:solidFill>
                       <a:prstDash val="solid"/>
                       <a:round/>
+                      <a:headEnd type="none" w="med" len="med"/>
+                      <a:tailEnd type="none" w="med" len="med"/>
                     </a:lnT>
                     <a:lnB w="12700" cap="flat" cmpd="sng" algn="ctr">
                       <a:solidFill>
@@ -13836,7 +12576,7 @@
                       <a:pPr algn="ctr">
                         <a:defRPr/>
                       </a:pPr>
-                      <a:endParaRPr lang="ko-KR" altLang="en-US" sz="1600">
+                      <a:endParaRPr lang="ko-KR" altLang="en-US" sz="1600" dirty="0">
                         <a:latin typeface="나눔바른고딕" panose="020B0603020101020101" pitchFamily="50" charset="-127"/>
                         <a:ea typeface="나눔바른고딕" panose="020B0603020101020101" pitchFamily="50" charset="-127"/>
                       </a:endParaRPr>
@@ -13897,7 +12637,7 @@
                       <a:pPr algn="ctr">
                         <a:defRPr/>
                       </a:pPr>
-                      <a:endParaRPr lang="ko-KR" altLang="en-US" sz="1600">
+                      <a:endParaRPr lang="ko-KR" altLang="en-US" sz="1600" dirty="0">
                         <a:latin typeface="나눔바른고딕" panose="020B0603020101020101" pitchFamily="50" charset="-127"/>
                         <a:ea typeface="나눔바른고딕" panose="020B0603020101020101" pitchFamily="50" charset="-127"/>
                       </a:endParaRPr>
@@ -13910,6 +12650,8 @@
                       </a:solidFill>
                       <a:prstDash val="solid"/>
                       <a:round/>
+                      <a:headEnd type="none" w="med" len="med"/>
+                      <a:tailEnd type="none" w="med" len="med"/>
                     </a:lnL>
                     <a:lnR w="12700" cap="flat" cmpd="sng" algn="ctr">
                       <a:solidFill>
@@ -13924,6 +12666,8 @@
                       </a:solidFill>
                       <a:prstDash val="solid"/>
                       <a:round/>
+                      <a:headEnd type="none" w="med" len="med"/>
+                      <a:tailEnd type="none" w="med" len="med"/>
                     </a:lnT>
                     <a:lnB w="12700" cap="flat" cmpd="sng" algn="ctr">
                       <a:solidFill>
@@ -13973,7 +12717,7 @@
                       <a:pPr algn="ctr">
                         <a:defRPr/>
                       </a:pPr>
-                      <a:endParaRPr lang="ko-KR" altLang="en-US" sz="1600">
+                      <a:endParaRPr lang="ko-KR" altLang="en-US" sz="1600" dirty="0">
                         <a:latin typeface="나눔바른고딕" panose="020B0603020101020101" pitchFamily="50" charset="-127"/>
                         <a:ea typeface="나눔바른고딕" panose="020B0603020101020101" pitchFamily="50" charset="-127"/>
                       </a:endParaRPr>
@@ -14014,7 +12758,7 @@
                       <a:pPr>
                         <a:defRPr/>
                       </a:pPr>
-                      <a:endParaRPr lang="ko-KR" altLang="en-US" sz="1600">
+                      <a:endParaRPr lang="ko-KR" altLang="en-US" sz="1600" dirty="0">
                         <a:latin typeface="나눔바른고딕" panose="020B0603020101020101" pitchFamily="50" charset="-127"/>
                         <a:ea typeface="나눔바른고딕" panose="020B0603020101020101" pitchFamily="50" charset="-127"/>
                       </a:endParaRPr>
@@ -14077,6 +12821,8 @@
                       </a:solidFill>
                       <a:prstDash val="solid"/>
                       <a:round/>
+                      <a:headEnd type="none" w="med" len="med"/>
+                      <a:tailEnd type="none" w="med" len="med"/>
                     </a:lnT>
                     <a:lnB w="12700" cap="flat" cmpd="sng" algn="ctr">
                       <a:solidFill>
@@ -35967,36 +34713,6 @@
           <a:chExt cx="0" cy="0"/>
         </a:xfrm>
       </p:grpSpPr>
-      <p:pic>
-        <p:nvPicPr>
-          <p:cNvPr id="10" name="그림 9" descr="텍스트이(가) 표시된 사진&#10;&#10;자동 생성된 설명">
-            <a:extLst>
-              <a:ext uri="{FF2B5EF4-FFF2-40B4-BE49-F238E27FC236}">
-                <a16:creationId xmlns:a16="http://schemas.microsoft.com/office/drawing/2014/main" id="{25F5E235-83AD-4E23-A414-4D4659414507}"/>
-              </a:ext>
-            </a:extLst>
-          </p:cNvPr>
-          <p:cNvPicPr>
-            <a:picLocks noChangeAspect="1"/>
-          </p:cNvPicPr>
-          <p:nvPr/>
-        </p:nvPicPr>
-        <p:blipFill>
-          <a:blip r:embed="rId2"/>
-          <a:stretch>
-            <a:fillRect/>
-          </a:stretch>
-        </p:blipFill>
-        <p:spPr>
-          <a:xfrm>
-            <a:off x="7599671" y="2657824"/>
-            <a:ext cx="3925647" cy="3953390"/>
-          </a:xfrm>
-          <a:prstGeom prst="rect">
-            <a:avLst/>
-          </a:prstGeom>
-        </p:spPr>
-      </p:pic>
       <p:grpSp>
         <p:nvGrpSpPr>
           <p:cNvPr id="92" name="그룹 91">
@@ -38342,7 +37058,7 @@
               <a:t>명령어 파형 및 </a:t>
             </a:r>
             <a:r>
-              <a:rPr lang="en-US" altLang="ko-KR" dirty="0" err="1">
+              <a:rPr lang="en-US" altLang="ko-KR" dirty="0">
                 <a:solidFill>
                   <a:schemeClr val="tx1">
                     <a:lumMod val="75000"/>
@@ -38352,7 +37068,7 @@
                 <a:latin typeface="나눔바른고딕" panose="020B0603020101020101" pitchFamily="50" charset="-127"/>
                 <a:ea typeface="나눔바른고딕" panose="020B0603020101020101" pitchFamily="50" charset="-127"/>
               </a:rPr>
-              <a:t>Spectogram</a:t>
+              <a:t>Spectrogram</a:t>
             </a:r>
             <a:endParaRPr lang="ko-KR" altLang="en-US" dirty="0">
               <a:solidFill>
@@ -38367,36 +37083,1694 @@
           </a:p>
         </p:txBody>
       </p:sp>
-      <p:pic>
-        <p:nvPicPr>
-          <p:cNvPr id="5" name="그림 4">
+      <p:sp>
+        <p:nvSpPr>
+          <p:cNvPr id="35" name="TextBox 34">
             <a:extLst>
               <a:ext uri="{FF2B5EF4-FFF2-40B4-BE49-F238E27FC236}">
-                <a16:creationId xmlns:a16="http://schemas.microsoft.com/office/drawing/2014/main" id="{FE79C46E-5A66-44C3-B39A-995339915290}"/>
+                <a16:creationId xmlns:a16="http://schemas.microsoft.com/office/drawing/2014/main" id="{D9AC42AD-3CD5-45B6-A963-5994A9424820}"/>
               </a:ext>
             </a:extLst>
           </p:cNvPr>
-          <p:cNvPicPr>
-            <a:picLocks noChangeAspect="1"/>
-          </p:cNvPicPr>
+          <p:cNvSpPr txBox="1"/>
           <p:nvPr/>
-        </p:nvPicPr>
-        <p:blipFill>
-          <a:blip r:embed="rId3"/>
-          <a:stretch>
-            <a:fillRect/>
-          </a:stretch>
-        </p:blipFill>
+        </p:nvSpPr>
         <p:spPr>
           <a:xfrm>
-            <a:off x="3991562" y="2657823"/>
-            <a:ext cx="3411440" cy="3953391"/>
+            <a:off x="4124700" y="2937716"/>
+            <a:ext cx="7745721" cy="276999"/>
           </a:xfrm>
           <a:prstGeom prst="rect">
             <a:avLst/>
           </a:prstGeom>
+          <a:noFill/>
         </p:spPr>
-      </p:pic>
+        <p:txBody>
+          <a:bodyPr wrap="square" lIns="0" tIns="0" rIns="0" bIns="0" rtlCol="0">
+            <a:spAutoFit/>
+          </a:bodyPr>
+          <a:lstStyle/>
+          <a:p>
+            <a:r>
+              <a:rPr lang="ko-KR" altLang="en-US" dirty="0">
+                <a:solidFill>
+                  <a:schemeClr val="tx1">
+                    <a:lumMod val="75000"/>
+                    <a:lumOff val="25000"/>
+                  </a:schemeClr>
+                </a:solidFill>
+                <a:latin typeface="나눔바른고딕" panose="020B0603020101020101" pitchFamily="50" charset="-127"/>
+                <a:ea typeface="나눔바른고딕" panose="020B0603020101020101" pitchFamily="50" charset="-127"/>
+              </a:rPr>
+              <a:t>명령어 목록</a:t>
+            </a:r>
+          </a:p>
+        </p:txBody>
+      </p:sp>
+      <p:sp>
+        <p:nvSpPr>
+          <p:cNvPr id="36" name="Freeform 57">
+            <a:extLst>
+              <a:ext uri="{FF2B5EF4-FFF2-40B4-BE49-F238E27FC236}">
+                <a16:creationId xmlns:a16="http://schemas.microsoft.com/office/drawing/2014/main" id="{6D7F95FC-FAAF-4B24-9710-D8DA0E98E0C9}"/>
+              </a:ext>
+            </a:extLst>
+          </p:cNvPr>
+          <p:cNvSpPr>
+            <a:spLocks noEditPoints="1"/>
+          </p:cNvSpPr>
+          <p:nvPr/>
+        </p:nvSpPr>
+        <p:spPr bwMode="auto">
+          <a:xfrm>
+            <a:off x="4040791" y="3918385"/>
+            <a:ext cx="137529" cy="141996"/>
+          </a:xfrm>
+          <a:custGeom>
+            <a:avLst/>
+            <a:gdLst>
+              <a:gd name="T0" fmla="*/ 2324 w 3330"/>
+              <a:gd name="T1" fmla="*/ 1006 h 3429"/>
+              <a:gd name="T2" fmla="*/ 2264 w 3330"/>
+              <a:gd name="T3" fmla="*/ 1026 h 3429"/>
+              <a:gd name="T4" fmla="*/ 2212 w 3330"/>
+              <a:gd name="T5" fmla="*/ 1063 h 3429"/>
+              <a:gd name="T6" fmla="*/ 1483 w 3330"/>
+              <a:gd name="T7" fmla="*/ 1790 h 3429"/>
+              <a:gd name="T8" fmla="*/ 1458 w 3330"/>
+              <a:gd name="T9" fmla="*/ 1796 h 3429"/>
+              <a:gd name="T10" fmla="*/ 1433 w 3330"/>
+              <a:gd name="T11" fmla="*/ 1790 h 3429"/>
+              <a:gd name="T12" fmla="*/ 1156 w 3330"/>
+              <a:gd name="T13" fmla="*/ 1517 h 3429"/>
+              <a:gd name="T14" fmla="*/ 1106 w 3330"/>
+              <a:gd name="T15" fmla="*/ 1479 h 3429"/>
+              <a:gd name="T16" fmla="*/ 1045 w 3330"/>
+              <a:gd name="T17" fmla="*/ 1459 h 3429"/>
+              <a:gd name="T18" fmla="*/ 981 w 3330"/>
+              <a:gd name="T19" fmla="*/ 1459 h 3429"/>
+              <a:gd name="T20" fmla="*/ 920 w 3330"/>
+              <a:gd name="T21" fmla="*/ 1479 h 3429"/>
+              <a:gd name="T22" fmla="*/ 870 w 3330"/>
+              <a:gd name="T23" fmla="*/ 1515 h 3429"/>
+              <a:gd name="T24" fmla="*/ 848 w 3330"/>
+              <a:gd name="T25" fmla="*/ 1540 h 3429"/>
+              <a:gd name="T26" fmla="*/ 820 w 3330"/>
+              <a:gd name="T27" fmla="*/ 1597 h 3429"/>
+              <a:gd name="T28" fmla="*/ 810 w 3330"/>
+              <a:gd name="T29" fmla="*/ 1660 h 3429"/>
+              <a:gd name="T30" fmla="*/ 820 w 3330"/>
+              <a:gd name="T31" fmla="*/ 1722 h 3429"/>
+              <a:gd name="T32" fmla="*/ 848 w 3330"/>
+              <a:gd name="T33" fmla="*/ 1779 h 3429"/>
+              <a:gd name="T34" fmla="*/ 1314 w 3330"/>
+              <a:gd name="T35" fmla="*/ 2248 h 3429"/>
+              <a:gd name="T36" fmla="*/ 1367 w 3330"/>
+              <a:gd name="T37" fmla="*/ 2286 h 3429"/>
+              <a:gd name="T38" fmla="*/ 1427 w 3330"/>
+              <a:gd name="T39" fmla="*/ 2305 h 3429"/>
+              <a:gd name="T40" fmla="*/ 1489 w 3330"/>
+              <a:gd name="T41" fmla="*/ 2305 h 3429"/>
+              <a:gd name="T42" fmla="*/ 1549 w 3330"/>
+              <a:gd name="T43" fmla="*/ 2286 h 3429"/>
+              <a:gd name="T44" fmla="*/ 1602 w 3330"/>
+              <a:gd name="T45" fmla="*/ 2248 h 3429"/>
+              <a:gd name="T46" fmla="*/ 2521 w 3330"/>
+              <a:gd name="T47" fmla="*/ 1325 h 3429"/>
+              <a:gd name="T48" fmla="*/ 2550 w 3330"/>
+              <a:gd name="T49" fmla="*/ 1268 h 3429"/>
+              <a:gd name="T50" fmla="*/ 2559 w 3330"/>
+              <a:gd name="T51" fmla="*/ 1207 h 3429"/>
+              <a:gd name="T52" fmla="*/ 2550 w 3330"/>
+              <a:gd name="T53" fmla="*/ 1145 h 3429"/>
+              <a:gd name="T54" fmla="*/ 2521 w 3330"/>
+              <a:gd name="T55" fmla="*/ 1088 h 3429"/>
+              <a:gd name="T56" fmla="*/ 2476 w 3330"/>
+              <a:gd name="T57" fmla="*/ 1043 h 3429"/>
+              <a:gd name="T58" fmla="*/ 2419 w 3330"/>
+              <a:gd name="T59" fmla="*/ 1014 h 3429"/>
+              <a:gd name="T60" fmla="*/ 2357 w 3330"/>
+              <a:gd name="T61" fmla="*/ 1004 h 3429"/>
+              <a:gd name="T62" fmla="*/ 3009 w 3330"/>
+              <a:gd name="T63" fmla="*/ 0 h 3429"/>
+              <a:gd name="T64" fmla="*/ 3094 w 3330"/>
+              <a:gd name="T65" fmla="*/ 12 h 3429"/>
+              <a:gd name="T66" fmla="*/ 3170 w 3330"/>
+              <a:gd name="T67" fmla="*/ 43 h 3429"/>
+              <a:gd name="T68" fmla="*/ 3236 w 3330"/>
+              <a:gd name="T69" fmla="*/ 92 h 3429"/>
+              <a:gd name="T70" fmla="*/ 3286 w 3330"/>
+              <a:gd name="T71" fmla="*/ 157 h 3429"/>
+              <a:gd name="T72" fmla="*/ 3318 w 3330"/>
+              <a:gd name="T73" fmla="*/ 233 h 3429"/>
+              <a:gd name="T74" fmla="*/ 3330 w 3330"/>
+              <a:gd name="T75" fmla="*/ 319 h 3429"/>
+              <a:gd name="T76" fmla="*/ 3327 w 3330"/>
+              <a:gd name="T77" fmla="*/ 2317 h 3429"/>
+              <a:gd name="T78" fmla="*/ 3306 w 3330"/>
+              <a:gd name="T79" fmla="*/ 2396 h 3429"/>
+              <a:gd name="T80" fmla="*/ 3266 w 3330"/>
+              <a:gd name="T81" fmla="*/ 2466 h 3429"/>
+              <a:gd name="T82" fmla="*/ 3210 w 3330"/>
+              <a:gd name="T83" fmla="*/ 2525 h 3429"/>
+              <a:gd name="T84" fmla="*/ 1824 w 3330"/>
+              <a:gd name="T85" fmla="*/ 3382 h 3429"/>
+              <a:gd name="T86" fmla="*/ 1742 w 3330"/>
+              <a:gd name="T87" fmla="*/ 3417 h 3429"/>
+              <a:gd name="T88" fmla="*/ 1655 w 3330"/>
+              <a:gd name="T89" fmla="*/ 3429 h 3429"/>
+              <a:gd name="T90" fmla="*/ 1568 w 3330"/>
+              <a:gd name="T91" fmla="*/ 3417 h 3429"/>
+              <a:gd name="T92" fmla="*/ 1487 w 3330"/>
+              <a:gd name="T93" fmla="*/ 3381 h 3429"/>
+              <a:gd name="T94" fmla="*/ 117 w 3330"/>
+              <a:gd name="T95" fmla="*/ 2525 h 3429"/>
+              <a:gd name="T96" fmla="*/ 62 w 3330"/>
+              <a:gd name="T97" fmla="*/ 2466 h 3429"/>
+              <a:gd name="T98" fmla="*/ 24 w 3330"/>
+              <a:gd name="T99" fmla="*/ 2396 h 3429"/>
+              <a:gd name="T100" fmla="*/ 3 w 3330"/>
+              <a:gd name="T101" fmla="*/ 2318 h 3429"/>
+              <a:gd name="T102" fmla="*/ 0 w 3330"/>
+              <a:gd name="T103" fmla="*/ 319 h 3429"/>
+              <a:gd name="T104" fmla="*/ 12 w 3330"/>
+              <a:gd name="T105" fmla="*/ 233 h 3429"/>
+              <a:gd name="T106" fmla="*/ 44 w 3330"/>
+              <a:gd name="T107" fmla="*/ 157 h 3429"/>
+              <a:gd name="T108" fmla="*/ 94 w 3330"/>
+              <a:gd name="T109" fmla="*/ 92 h 3429"/>
+              <a:gd name="T110" fmla="*/ 158 w 3330"/>
+              <a:gd name="T111" fmla="*/ 43 h 3429"/>
+              <a:gd name="T112" fmla="*/ 235 w 3330"/>
+              <a:gd name="T113" fmla="*/ 12 h 3429"/>
+              <a:gd name="T114" fmla="*/ 320 w 3330"/>
+              <a:gd name="T115" fmla="*/ 0 h 3429"/>
+            </a:gdLst>
+            <a:ahLst/>
+            <a:cxnLst>
+              <a:cxn ang="0">
+                <a:pos x="T0" y="T1"/>
+              </a:cxn>
+              <a:cxn ang="0">
+                <a:pos x="T2" y="T3"/>
+              </a:cxn>
+              <a:cxn ang="0">
+                <a:pos x="T4" y="T5"/>
+              </a:cxn>
+              <a:cxn ang="0">
+                <a:pos x="T6" y="T7"/>
+              </a:cxn>
+              <a:cxn ang="0">
+                <a:pos x="T8" y="T9"/>
+              </a:cxn>
+              <a:cxn ang="0">
+                <a:pos x="T10" y="T11"/>
+              </a:cxn>
+              <a:cxn ang="0">
+                <a:pos x="T12" y="T13"/>
+              </a:cxn>
+              <a:cxn ang="0">
+                <a:pos x="T14" y="T15"/>
+              </a:cxn>
+              <a:cxn ang="0">
+                <a:pos x="T16" y="T17"/>
+              </a:cxn>
+              <a:cxn ang="0">
+                <a:pos x="T18" y="T19"/>
+              </a:cxn>
+              <a:cxn ang="0">
+                <a:pos x="T20" y="T21"/>
+              </a:cxn>
+              <a:cxn ang="0">
+                <a:pos x="T22" y="T23"/>
+              </a:cxn>
+              <a:cxn ang="0">
+                <a:pos x="T24" y="T25"/>
+              </a:cxn>
+              <a:cxn ang="0">
+                <a:pos x="T26" y="T27"/>
+              </a:cxn>
+              <a:cxn ang="0">
+                <a:pos x="T28" y="T29"/>
+              </a:cxn>
+              <a:cxn ang="0">
+                <a:pos x="T30" y="T31"/>
+              </a:cxn>
+              <a:cxn ang="0">
+                <a:pos x="T32" y="T33"/>
+              </a:cxn>
+              <a:cxn ang="0">
+                <a:pos x="T34" y="T35"/>
+              </a:cxn>
+              <a:cxn ang="0">
+                <a:pos x="T36" y="T37"/>
+              </a:cxn>
+              <a:cxn ang="0">
+                <a:pos x="T38" y="T39"/>
+              </a:cxn>
+              <a:cxn ang="0">
+                <a:pos x="T40" y="T41"/>
+              </a:cxn>
+              <a:cxn ang="0">
+                <a:pos x="T42" y="T43"/>
+              </a:cxn>
+              <a:cxn ang="0">
+                <a:pos x="T44" y="T45"/>
+              </a:cxn>
+              <a:cxn ang="0">
+                <a:pos x="T46" y="T47"/>
+              </a:cxn>
+              <a:cxn ang="0">
+                <a:pos x="T48" y="T49"/>
+              </a:cxn>
+              <a:cxn ang="0">
+                <a:pos x="T50" y="T51"/>
+              </a:cxn>
+              <a:cxn ang="0">
+                <a:pos x="T52" y="T53"/>
+              </a:cxn>
+              <a:cxn ang="0">
+                <a:pos x="T54" y="T55"/>
+              </a:cxn>
+              <a:cxn ang="0">
+                <a:pos x="T56" y="T57"/>
+              </a:cxn>
+              <a:cxn ang="0">
+                <a:pos x="T58" y="T59"/>
+              </a:cxn>
+              <a:cxn ang="0">
+                <a:pos x="T60" y="T61"/>
+              </a:cxn>
+              <a:cxn ang="0">
+                <a:pos x="T62" y="T63"/>
+              </a:cxn>
+              <a:cxn ang="0">
+                <a:pos x="T64" y="T65"/>
+              </a:cxn>
+              <a:cxn ang="0">
+                <a:pos x="T66" y="T67"/>
+              </a:cxn>
+              <a:cxn ang="0">
+                <a:pos x="T68" y="T69"/>
+              </a:cxn>
+              <a:cxn ang="0">
+                <a:pos x="T70" y="T71"/>
+              </a:cxn>
+              <a:cxn ang="0">
+                <a:pos x="T72" y="T73"/>
+              </a:cxn>
+              <a:cxn ang="0">
+                <a:pos x="T74" y="T75"/>
+              </a:cxn>
+              <a:cxn ang="0">
+                <a:pos x="T76" y="T77"/>
+              </a:cxn>
+              <a:cxn ang="0">
+                <a:pos x="T78" y="T79"/>
+              </a:cxn>
+              <a:cxn ang="0">
+                <a:pos x="T80" y="T81"/>
+              </a:cxn>
+              <a:cxn ang="0">
+                <a:pos x="T82" y="T83"/>
+              </a:cxn>
+              <a:cxn ang="0">
+                <a:pos x="T84" y="T85"/>
+              </a:cxn>
+              <a:cxn ang="0">
+                <a:pos x="T86" y="T87"/>
+              </a:cxn>
+              <a:cxn ang="0">
+                <a:pos x="T88" y="T89"/>
+              </a:cxn>
+              <a:cxn ang="0">
+                <a:pos x="T90" y="T91"/>
+              </a:cxn>
+              <a:cxn ang="0">
+                <a:pos x="T92" y="T93"/>
+              </a:cxn>
+              <a:cxn ang="0">
+                <a:pos x="T94" y="T95"/>
+              </a:cxn>
+              <a:cxn ang="0">
+                <a:pos x="T96" y="T97"/>
+              </a:cxn>
+              <a:cxn ang="0">
+                <a:pos x="T98" y="T99"/>
+              </a:cxn>
+              <a:cxn ang="0">
+                <a:pos x="T100" y="T101"/>
+              </a:cxn>
+              <a:cxn ang="0">
+                <a:pos x="T102" y="T103"/>
+              </a:cxn>
+              <a:cxn ang="0">
+                <a:pos x="T104" y="T105"/>
+              </a:cxn>
+              <a:cxn ang="0">
+                <a:pos x="T106" y="T107"/>
+              </a:cxn>
+              <a:cxn ang="0">
+                <a:pos x="T108" y="T109"/>
+              </a:cxn>
+              <a:cxn ang="0">
+                <a:pos x="T110" y="T111"/>
+              </a:cxn>
+              <a:cxn ang="0">
+                <a:pos x="T112" y="T113"/>
+              </a:cxn>
+              <a:cxn ang="0">
+                <a:pos x="T114" y="T115"/>
+              </a:cxn>
+            </a:cxnLst>
+            <a:rect l="0" t="0" r="r" b="b"/>
+            <a:pathLst>
+              <a:path w="3330" h="3429">
+                <a:moveTo>
+                  <a:pt x="2357" y="1004"/>
+                </a:moveTo>
+                <a:lnTo>
+                  <a:pt x="2324" y="1006"/>
+                </a:lnTo>
+                <a:lnTo>
+                  <a:pt x="2293" y="1014"/>
+                </a:lnTo>
+                <a:lnTo>
+                  <a:pt x="2264" y="1026"/>
+                </a:lnTo>
+                <a:lnTo>
+                  <a:pt x="2237" y="1043"/>
+                </a:lnTo>
+                <a:lnTo>
+                  <a:pt x="2212" y="1063"/>
+                </a:lnTo>
+                <a:lnTo>
+                  <a:pt x="1494" y="1781"/>
+                </a:lnTo>
+                <a:lnTo>
+                  <a:pt x="1483" y="1790"/>
+                </a:lnTo>
+                <a:lnTo>
+                  <a:pt x="1472" y="1794"/>
+                </a:lnTo>
+                <a:lnTo>
+                  <a:pt x="1458" y="1796"/>
+                </a:lnTo>
+                <a:lnTo>
+                  <a:pt x="1445" y="1794"/>
+                </a:lnTo>
+                <a:lnTo>
+                  <a:pt x="1433" y="1790"/>
+                </a:lnTo>
+                <a:lnTo>
+                  <a:pt x="1422" y="1781"/>
+                </a:lnTo>
+                <a:lnTo>
+                  <a:pt x="1156" y="1517"/>
+                </a:lnTo>
+                <a:lnTo>
+                  <a:pt x="1132" y="1495"/>
+                </a:lnTo>
+                <a:lnTo>
+                  <a:pt x="1106" y="1479"/>
+                </a:lnTo>
+                <a:lnTo>
+                  <a:pt x="1075" y="1467"/>
+                </a:lnTo>
+                <a:lnTo>
+                  <a:pt x="1045" y="1459"/>
+                </a:lnTo>
+                <a:lnTo>
+                  <a:pt x="1013" y="1456"/>
+                </a:lnTo>
+                <a:lnTo>
+                  <a:pt x="981" y="1459"/>
+                </a:lnTo>
+                <a:lnTo>
+                  <a:pt x="951" y="1467"/>
+                </a:lnTo>
+                <a:lnTo>
+                  <a:pt x="920" y="1479"/>
+                </a:lnTo>
+                <a:lnTo>
+                  <a:pt x="893" y="1495"/>
+                </a:lnTo>
+                <a:lnTo>
+                  <a:pt x="870" y="1515"/>
+                </a:lnTo>
+                <a:lnTo>
+                  <a:pt x="870" y="1517"/>
+                </a:lnTo>
+                <a:lnTo>
+                  <a:pt x="848" y="1540"/>
+                </a:lnTo>
+                <a:lnTo>
+                  <a:pt x="832" y="1567"/>
+                </a:lnTo>
+                <a:lnTo>
+                  <a:pt x="820" y="1597"/>
+                </a:lnTo>
+                <a:lnTo>
+                  <a:pt x="813" y="1627"/>
+                </a:lnTo>
+                <a:lnTo>
+                  <a:pt x="810" y="1660"/>
+                </a:lnTo>
+                <a:lnTo>
+                  <a:pt x="813" y="1692"/>
+                </a:lnTo>
+                <a:lnTo>
+                  <a:pt x="820" y="1722"/>
+                </a:lnTo>
+                <a:lnTo>
+                  <a:pt x="832" y="1752"/>
+                </a:lnTo>
+                <a:lnTo>
+                  <a:pt x="848" y="1779"/>
+                </a:lnTo>
+                <a:lnTo>
+                  <a:pt x="870" y="1803"/>
+                </a:lnTo>
+                <a:lnTo>
+                  <a:pt x="1314" y="2248"/>
+                </a:lnTo>
+                <a:lnTo>
+                  <a:pt x="1339" y="2270"/>
+                </a:lnTo>
+                <a:lnTo>
+                  <a:pt x="1367" y="2286"/>
+                </a:lnTo>
+                <a:lnTo>
+                  <a:pt x="1396" y="2298"/>
+                </a:lnTo>
+                <a:lnTo>
+                  <a:pt x="1427" y="2305"/>
+                </a:lnTo>
+                <a:lnTo>
+                  <a:pt x="1459" y="2308"/>
+                </a:lnTo>
+                <a:lnTo>
+                  <a:pt x="1489" y="2305"/>
+                </a:lnTo>
+                <a:lnTo>
+                  <a:pt x="1520" y="2298"/>
+                </a:lnTo>
+                <a:lnTo>
+                  <a:pt x="1549" y="2286"/>
+                </a:lnTo>
+                <a:lnTo>
+                  <a:pt x="1577" y="2270"/>
+                </a:lnTo>
+                <a:lnTo>
+                  <a:pt x="1602" y="2248"/>
+                </a:lnTo>
+                <a:lnTo>
+                  <a:pt x="2500" y="1351"/>
+                </a:lnTo>
+                <a:lnTo>
+                  <a:pt x="2521" y="1325"/>
+                </a:lnTo>
+                <a:lnTo>
+                  <a:pt x="2538" y="1298"/>
+                </a:lnTo>
+                <a:lnTo>
+                  <a:pt x="2550" y="1268"/>
+                </a:lnTo>
+                <a:lnTo>
+                  <a:pt x="2557" y="1238"/>
+                </a:lnTo>
+                <a:lnTo>
+                  <a:pt x="2559" y="1207"/>
+                </a:lnTo>
+                <a:lnTo>
+                  <a:pt x="2557" y="1175"/>
+                </a:lnTo>
+                <a:lnTo>
+                  <a:pt x="2550" y="1145"/>
+                </a:lnTo>
+                <a:lnTo>
+                  <a:pt x="2538" y="1116"/>
+                </a:lnTo>
+                <a:lnTo>
+                  <a:pt x="2521" y="1088"/>
+                </a:lnTo>
+                <a:lnTo>
+                  <a:pt x="2500" y="1063"/>
+                </a:lnTo>
+                <a:lnTo>
+                  <a:pt x="2476" y="1043"/>
+                </a:lnTo>
+                <a:lnTo>
+                  <a:pt x="2448" y="1026"/>
+                </a:lnTo>
+                <a:lnTo>
+                  <a:pt x="2419" y="1014"/>
+                </a:lnTo>
+                <a:lnTo>
+                  <a:pt x="2388" y="1006"/>
+                </a:lnTo>
+                <a:lnTo>
+                  <a:pt x="2357" y="1004"/>
+                </a:lnTo>
+                <a:close/>
+                <a:moveTo>
+                  <a:pt x="320" y="0"/>
+                </a:moveTo>
+                <a:lnTo>
+                  <a:pt x="3009" y="0"/>
+                </a:lnTo>
+                <a:lnTo>
+                  <a:pt x="3053" y="3"/>
+                </a:lnTo>
+                <a:lnTo>
+                  <a:pt x="3094" y="12"/>
+                </a:lnTo>
+                <a:lnTo>
+                  <a:pt x="3134" y="25"/>
+                </a:lnTo>
+                <a:lnTo>
+                  <a:pt x="3170" y="43"/>
+                </a:lnTo>
+                <a:lnTo>
+                  <a:pt x="3205" y="66"/>
+                </a:lnTo>
+                <a:lnTo>
+                  <a:pt x="3236" y="92"/>
+                </a:lnTo>
+                <a:lnTo>
+                  <a:pt x="3263" y="124"/>
+                </a:lnTo>
+                <a:lnTo>
+                  <a:pt x="3286" y="157"/>
+                </a:lnTo>
+                <a:lnTo>
+                  <a:pt x="3304" y="194"/>
+                </a:lnTo>
+                <a:lnTo>
+                  <a:pt x="3318" y="233"/>
+                </a:lnTo>
+                <a:lnTo>
+                  <a:pt x="3327" y="274"/>
+                </a:lnTo>
+                <a:lnTo>
+                  <a:pt x="3330" y="319"/>
+                </a:lnTo>
+                <a:lnTo>
+                  <a:pt x="3330" y="2276"/>
+                </a:lnTo>
+                <a:lnTo>
+                  <a:pt x="3327" y="2317"/>
+                </a:lnTo>
+                <a:lnTo>
+                  <a:pt x="3319" y="2357"/>
+                </a:lnTo>
+                <a:lnTo>
+                  <a:pt x="3306" y="2396"/>
+                </a:lnTo>
+                <a:lnTo>
+                  <a:pt x="3289" y="2432"/>
+                </a:lnTo>
+                <a:lnTo>
+                  <a:pt x="3266" y="2466"/>
+                </a:lnTo>
+                <a:lnTo>
+                  <a:pt x="3240" y="2497"/>
+                </a:lnTo>
+                <a:lnTo>
+                  <a:pt x="3210" y="2525"/>
+                </a:lnTo>
+                <a:lnTo>
+                  <a:pt x="3177" y="2549"/>
+                </a:lnTo>
+                <a:lnTo>
+                  <a:pt x="1824" y="3382"/>
+                </a:lnTo>
+                <a:lnTo>
+                  <a:pt x="1784" y="3402"/>
+                </a:lnTo>
+                <a:lnTo>
+                  <a:pt x="1742" y="3417"/>
+                </a:lnTo>
+                <a:lnTo>
+                  <a:pt x="1699" y="3426"/>
+                </a:lnTo>
+                <a:lnTo>
+                  <a:pt x="1655" y="3429"/>
+                </a:lnTo>
+                <a:lnTo>
+                  <a:pt x="1612" y="3426"/>
+                </a:lnTo>
+                <a:lnTo>
+                  <a:pt x="1568" y="3417"/>
+                </a:lnTo>
+                <a:lnTo>
+                  <a:pt x="1527" y="3402"/>
+                </a:lnTo>
+                <a:lnTo>
+                  <a:pt x="1487" y="3381"/>
+                </a:lnTo>
+                <a:lnTo>
+                  <a:pt x="151" y="2549"/>
+                </a:lnTo>
+                <a:lnTo>
+                  <a:pt x="117" y="2525"/>
+                </a:lnTo>
+                <a:lnTo>
+                  <a:pt x="88" y="2497"/>
+                </a:lnTo>
+                <a:lnTo>
+                  <a:pt x="62" y="2466"/>
+                </a:lnTo>
+                <a:lnTo>
+                  <a:pt x="41" y="2432"/>
+                </a:lnTo>
+                <a:lnTo>
+                  <a:pt x="24" y="2396"/>
+                </a:lnTo>
+                <a:lnTo>
+                  <a:pt x="11" y="2358"/>
+                </a:lnTo>
+                <a:lnTo>
+                  <a:pt x="3" y="2318"/>
+                </a:lnTo>
+                <a:lnTo>
+                  <a:pt x="0" y="2277"/>
+                </a:lnTo>
+                <a:lnTo>
+                  <a:pt x="0" y="319"/>
+                </a:lnTo>
+                <a:lnTo>
+                  <a:pt x="3" y="274"/>
+                </a:lnTo>
+                <a:lnTo>
+                  <a:pt x="12" y="233"/>
+                </a:lnTo>
+                <a:lnTo>
+                  <a:pt x="26" y="194"/>
+                </a:lnTo>
+                <a:lnTo>
+                  <a:pt x="44" y="157"/>
+                </a:lnTo>
+                <a:lnTo>
+                  <a:pt x="67" y="124"/>
+                </a:lnTo>
+                <a:lnTo>
+                  <a:pt x="94" y="92"/>
+                </a:lnTo>
+                <a:lnTo>
+                  <a:pt x="125" y="66"/>
+                </a:lnTo>
+                <a:lnTo>
+                  <a:pt x="158" y="43"/>
+                </a:lnTo>
+                <a:lnTo>
+                  <a:pt x="196" y="25"/>
+                </a:lnTo>
+                <a:lnTo>
+                  <a:pt x="235" y="12"/>
+                </a:lnTo>
+                <a:lnTo>
+                  <a:pt x="277" y="3"/>
+                </a:lnTo>
+                <a:lnTo>
+                  <a:pt x="320" y="0"/>
+                </a:lnTo>
+                <a:close/>
+              </a:path>
+            </a:pathLst>
+          </a:custGeom>
+          <a:solidFill>
+            <a:srgbClr val="00C300"/>
+          </a:solidFill>
+          <a:ln w="0">
+            <a:noFill/>
+            <a:prstDash val="solid"/>
+            <a:round/>
+            <a:headEnd/>
+            <a:tailEnd/>
+          </a:ln>
+        </p:spPr>
+        <p:txBody>
+          <a:bodyPr vert="horz" wrap="square" lIns="91440" tIns="45720" rIns="91440" bIns="45720" numCol="1" anchor="t" anchorCtr="0" compatLnSpc="1">
+            <a:prstTxWarp prst="textNoShape">
+              <a:avLst/>
+            </a:prstTxWarp>
+          </a:bodyPr>
+          <a:lstStyle/>
+          <a:p>
+            <a:endParaRPr lang="ko-KR" altLang="en-US"/>
+          </a:p>
+        </p:txBody>
+      </p:sp>
+      <p:sp>
+        <p:nvSpPr>
+          <p:cNvPr id="38" name="TextBox 37">
+            <a:extLst>
+              <a:ext uri="{FF2B5EF4-FFF2-40B4-BE49-F238E27FC236}">
+                <a16:creationId xmlns:a16="http://schemas.microsoft.com/office/drawing/2014/main" id="{7BD1A553-0282-4D53-B79C-79D64081E035}"/>
+              </a:ext>
+            </a:extLst>
+          </p:cNvPr>
+          <p:cNvSpPr txBox="1"/>
+          <p:nvPr/>
+        </p:nvSpPr>
+        <p:spPr>
+          <a:xfrm>
+            <a:off x="4253321" y="3872441"/>
+            <a:ext cx="5277743" cy="215444"/>
+          </a:xfrm>
+          <a:prstGeom prst="rect">
+            <a:avLst/>
+          </a:prstGeom>
+          <a:noFill/>
+        </p:spPr>
+        <p:txBody>
+          <a:bodyPr wrap="square" lIns="0" tIns="0" rIns="0" bIns="0" rtlCol="0">
+            <a:spAutoFit/>
+          </a:bodyPr>
+          <a:lstStyle/>
+          <a:p>
+            <a:r>
+              <a:rPr lang="ko-KR" altLang="en-US" sz="1400" dirty="0">
+                <a:solidFill>
+                  <a:schemeClr val="tx1">
+                    <a:lumMod val="75000"/>
+                    <a:lumOff val="25000"/>
+                  </a:schemeClr>
+                </a:solidFill>
+                <a:latin typeface="나눔바른고딕" panose="020B0603020101020101" pitchFamily="50" charset="-127"/>
+                <a:ea typeface="나눔바른고딕" panose="020B0603020101020101" pitchFamily="50" charset="-127"/>
+              </a:rPr>
+              <a:t>추가 주문에 대한 대답 등을 위한 </a:t>
+            </a:r>
+            <a:r>
+              <a:rPr lang="en-US" altLang="ko-KR" sz="1400" dirty="0">
+                <a:solidFill>
+                  <a:schemeClr val="tx1">
+                    <a:lumMod val="75000"/>
+                    <a:lumOff val="25000"/>
+                  </a:schemeClr>
+                </a:solidFill>
+                <a:latin typeface="나눔바른고딕" panose="020B0603020101020101" pitchFamily="50" charset="-127"/>
+                <a:ea typeface="나눔바른고딕" panose="020B0603020101020101" pitchFamily="50" charset="-127"/>
+              </a:rPr>
+              <a:t>yes / no</a:t>
+            </a:r>
+            <a:endParaRPr lang="ko-KR" altLang="en-US" sz="1400" dirty="0">
+              <a:solidFill>
+                <a:schemeClr val="tx1">
+                  <a:lumMod val="75000"/>
+                  <a:lumOff val="25000"/>
+                </a:schemeClr>
+              </a:solidFill>
+              <a:latin typeface="나눔바른고딕" panose="020B0603020101020101" pitchFamily="50" charset="-127"/>
+              <a:ea typeface="나눔바른고딕" panose="020B0603020101020101" pitchFamily="50" charset="-127"/>
+            </a:endParaRPr>
+          </a:p>
+        </p:txBody>
+      </p:sp>
+      <p:sp>
+        <p:nvSpPr>
+          <p:cNvPr id="41" name="Freeform 57">
+            <a:extLst>
+              <a:ext uri="{FF2B5EF4-FFF2-40B4-BE49-F238E27FC236}">
+                <a16:creationId xmlns:a16="http://schemas.microsoft.com/office/drawing/2014/main" id="{056D9768-C6F7-43C4-B264-C3B4D488A4DD}"/>
+              </a:ext>
+            </a:extLst>
+          </p:cNvPr>
+          <p:cNvSpPr>
+            <a:spLocks noEditPoints="1"/>
+          </p:cNvSpPr>
+          <p:nvPr/>
+        </p:nvSpPr>
+        <p:spPr bwMode="auto">
+          <a:xfrm>
+            <a:off x="4034523" y="3474944"/>
+            <a:ext cx="137529" cy="141996"/>
+          </a:xfrm>
+          <a:custGeom>
+            <a:avLst/>
+            <a:gdLst>
+              <a:gd name="T0" fmla="*/ 2324 w 3330"/>
+              <a:gd name="T1" fmla="*/ 1006 h 3429"/>
+              <a:gd name="T2" fmla="*/ 2264 w 3330"/>
+              <a:gd name="T3" fmla="*/ 1026 h 3429"/>
+              <a:gd name="T4" fmla="*/ 2212 w 3330"/>
+              <a:gd name="T5" fmla="*/ 1063 h 3429"/>
+              <a:gd name="T6" fmla="*/ 1483 w 3330"/>
+              <a:gd name="T7" fmla="*/ 1790 h 3429"/>
+              <a:gd name="T8" fmla="*/ 1458 w 3330"/>
+              <a:gd name="T9" fmla="*/ 1796 h 3429"/>
+              <a:gd name="T10" fmla="*/ 1433 w 3330"/>
+              <a:gd name="T11" fmla="*/ 1790 h 3429"/>
+              <a:gd name="T12" fmla="*/ 1156 w 3330"/>
+              <a:gd name="T13" fmla="*/ 1517 h 3429"/>
+              <a:gd name="T14" fmla="*/ 1106 w 3330"/>
+              <a:gd name="T15" fmla="*/ 1479 h 3429"/>
+              <a:gd name="T16" fmla="*/ 1045 w 3330"/>
+              <a:gd name="T17" fmla="*/ 1459 h 3429"/>
+              <a:gd name="T18" fmla="*/ 981 w 3330"/>
+              <a:gd name="T19" fmla="*/ 1459 h 3429"/>
+              <a:gd name="T20" fmla="*/ 920 w 3330"/>
+              <a:gd name="T21" fmla="*/ 1479 h 3429"/>
+              <a:gd name="T22" fmla="*/ 870 w 3330"/>
+              <a:gd name="T23" fmla="*/ 1515 h 3429"/>
+              <a:gd name="T24" fmla="*/ 848 w 3330"/>
+              <a:gd name="T25" fmla="*/ 1540 h 3429"/>
+              <a:gd name="T26" fmla="*/ 820 w 3330"/>
+              <a:gd name="T27" fmla="*/ 1597 h 3429"/>
+              <a:gd name="T28" fmla="*/ 810 w 3330"/>
+              <a:gd name="T29" fmla="*/ 1660 h 3429"/>
+              <a:gd name="T30" fmla="*/ 820 w 3330"/>
+              <a:gd name="T31" fmla="*/ 1722 h 3429"/>
+              <a:gd name="T32" fmla="*/ 848 w 3330"/>
+              <a:gd name="T33" fmla="*/ 1779 h 3429"/>
+              <a:gd name="T34" fmla="*/ 1314 w 3330"/>
+              <a:gd name="T35" fmla="*/ 2248 h 3429"/>
+              <a:gd name="T36" fmla="*/ 1367 w 3330"/>
+              <a:gd name="T37" fmla="*/ 2286 h 3429"/>
+              <a:gd name="T38" fmla="*/ 1427 w 3330"/>
+              <a:gd name="T39" fmla="*/ 2305 h 3429"/>
+              <a:gd name="T40" fmla="*/ 1489 w 3330"/>
+              <a:gd name="T41" fmla="*/ 2305 h 3429"/>
+              <a:gd name="T42" fmla="*/ 1549 w 3330"/>
+              <a:gd name="T43" fmla="*/ 2286 h 3429"/>
+              <a:gd name="T44" fmla="*/ 1602 w 3330"/>
+              <a:gd name="T45" fmla="*/ 2248 h 3429"/>
+              <a:gd name="T46" fmla="*/ 2521 w 3330"/>
+              <a:gd name="T47" fmla="*/ 1325 h 3429"/>
+              <a:gd name="T48" fmla="*/ 2550 w 3330"/>
+              <a:gd name="T49" fmla="*/ 1268 h 3429"/>
+              <a:gd name="T50" fmla="*/ 2559 w 3330"/>
+              <a:gd name="T51" fmla="*/ 1207 h 3429"/>
+              <a:gd name="T52" fmla="*/ 2550 w 3330"/>
+              <a:gd name="T53" fmla="*/ 1145 h 3429"/>
+              <a:gd name="T54" fmla="*/ 2521 w 3330"/>
+              <a:gd name="T55" fmla="*/ 1088 h 3429"/>
+              <a:gd name="T56" fmla="*/ 2476 w 3330"/>
+              <a:gd name="T57" fmla="*/ 1043 h 3429"/>
+              <a:gd name="T58" fmla="*/ 2419 w 3330"/>
+              <a:gd name="T59" fmla="*/ 1014 h 3429"/>
+              <a:gd name="T60" fmla="*/ 2357 w 3330"/>
+              <a:gd name="T61" fmla="*/ 1004 h 3429"/>
+              <a:gd name="T62" fmla="*/ 3009 w 3330"/>
+              <a:gd name="T63" fmla="*/ 0 h 3429"/>
+              <a:gd name="T64" fmla="*/ 3094 w 3330"/>
+              <a:gd name="T65" fmla="*/ 12 h 3429"/>
+              <a:gd name="T66" fmla="*/ 3170 w 3330"/>
+              <a:gd name="T67" fmla="*/ 43 h 3429"/>
+              <a:gd name="T68" fmla="*/ 3236 w 3330"/>
+              <a:gd name="T69" fmla="*/ 92 h 3429"/>
+              <a:gd name="T70" fmla="*/ 3286 w 3330"/>
+              <a:gd name="T71" fmla="*/ 157 h 3429"/>
+              <a:gd name="T72" fmla="*/ 3318 w 3330"/>
+              <a:gd name="T73" fmla="*/ 233 h 3429"/>
+              <a:gd name="T74" fmla="*/ 3330 w 3330"/>
+              <a:gd name="T75" fmla="*/ 319 h 3429"/>
+              <a:gd name="T76" fmla="*/ 3327 w 3330"/>
+              <a:gd name="T77" fmla="*/ 2317 h 3429"/>
+              <a:gd name="T78" fmla="*/ 3306 w 3330"/>
+              <a:gd name="T79" fmla="*/ 2396 h 3429"/>
+              <a:gd name="T80" fmla="*/ 3266 w 3330"/>
+              <a:gd name="T81" fmla="*/ 2466 h 3429"/>
+              <a:gd name="T82" fmla="*/ 3210 w 3330"/>
+              <a:gd name="T83" fmla="*/ 2525 h 3429"/>
+              <a:gd name="T84" fmla="*/ 1824 w 3330"/>
+              <a:gd name="T85" fmla="*/ 3382 h 3429"/>
+              <a:gd name="T86" fmla="*/ 1742 w 3330"/>
+              <a:gd name="T87" fmla="*/ 3417 h 3429"/>
+              <a:gd name="T88" fmla="*/ 1655 w 3330"/>
+              <a:gd name="T89" fmla="*/ 3429 h 3429"/>
+              <a:gd name="T90" fmla="*/ 1568 w 3330"/>
+              <a:gd name="T91" fmla="*/ 3417 h 3429"/>
+              <a:gd name="T92" fmla="*/ 1487 w 3330"/>
+              <a:gd name="T93" fmla="*/ 3381 h 3429"/>
+              <a:gd name="T94" fmla="*/ 117 w 3330"/>
+              <a:gd name="T95" fmla="*/ 2525 h 3429"/>
+              <a:gd name="T96" fmla="*/ 62 w 3330"/>
+              <a:gd name="T97" fmla="*/ 2466 h 3429"/>
+              <a:gd name="T98" fmla="*/ 24 w 3330"/>
+              <a:gd name="T99" fmla="*/ 2396 h 3429"/>
+              <a:gd name="T100" fmla="*/ 3 w 3330"/>
+              <a:gd name="T101" fmla="*/ 2318 h 3429"/>
+              <a:gd name="T102" fmla="*/ 0 w 3330"/>
+              <a:gd name="T103" fmla="*/ 319 h 3429"/>
+              <a:gd name="T104" fmla="*/ 12 w 3330"/>
+              <a:gd name="T105" fmla="*/ 233 h 3429"/>
+              <a:gd name="T106" fmla="*/ 44 w 3330"/>
+              <a:gd name="T107" fmla="*/ 157 h 3429"/>
+              <a:gd name="T108" fmla="*/ 94 w 3330"/>
+              <a:gd name="T109" fmla="*/ 92 h 3429"/>
+              <a:gd name="T110" fmla="*/ 158 w 3330"/>
+              <a:gd name="T111" fmla="*/ 43 h 3429"/>
+              <a:gd name="T112" fmla="*/ 235 w 3330"/>
+              <a:gd name="T113" fmla="*/ 12 h 3429"/>
+              <a:gd name="T114" fmla="*/ 320 w 3330"/>
+              <a:gd name="T115" fmla="*/ 0 h 3429"/>
+            </a:gdLst>
+            <a:ahLst/>
+            <a:cxnLst>
+              <a:cxn ang="0">
+                <a:pos x="T0" y="T1"/>
+              </a:cxn>
+              <a:cxn ang="0">
+                <a:pos x="T2" y="T3"/>
+              </a:cxn>
+              <a:cxn ang="0">
+                <a:pos x="T4" y="T5"/>
+              </a:cxn>
+              <a:cxn ang="0">
+                <a:pos x="T6" y="T7"/>
+              </a:cxn>
+              <a:cxn ang="0">
+                <a:pos x="T8" y="T9"/>
+              </a:cxn>
+              <a:cxn ang="0">
+                <a:pos x="T10" y="T11"/>
+              </a:cxn>
+              <a:cxn ang="0">
+                <a:pos x="T12" y="T13"/>
+              </a:cxn>
+              <a:cxn ang="0">
+                <a:pos x="T14" y="T15"/>
+              </a:cxn>
+              <a:cxn ang="0">
+                <a:pos x="T16" y="T17"/>
+              </a:cxn>
+              <a:cxn ang="0">
+                <a:pos x="T18" y="T19"/>
+              </a:cxn>
+              <a:cxn ang="0">
+                <a:pos x="T20" y="T21"/>
+              </a:cxn>
+              <a:cxn ang="0">
+                <a:pos x="T22" y="T23"/>
+              </a:cxn>
+              <a:cxn ang="0">
+                <a:pos x="T24" y="T25"/>
+              </a:cxn>
+              <a:cxn ang="0">
+                <a:pos x="T26" y="T27"/>
+              </a:cxn>
+              <a:cxn ang="0">
+                <a:pos x="T28" y="T29"/>
+              </a:cxn>
+              <a:cxn ang="0">
+                <a:pos x="T30" y="T31"/>
+              </a:cxn>
+              <a:cxn ang="0">
+                <a:pos x="T32" y="T33"/>
+              </a:cxn>
+              <a:cxn ang="0">
+                <a:pos x="T34" y="T35"/>
+              </a:cxn>
+              <a:cxn ang="0">
+                <a:pos x="T36" y="T37"/>
+              </a:cxn>
+              <a:cxn ang="0">
+                <a:pos x="T38" y="T39"/>
+              </a:cxn>
+              <a:cxn ang="0">
+                <a:pos x="T40" y="T41"/>
+              </a:cxn>
+              <a:cxn ang="0">
+                <a:pos x="T42" y="T43"/>
+              </a:cxn>
+              <a:cxn ang="0">
+                <a:pos x="T44" y="T45"/>
+              </a:cxn>
+              <a:cxn ang="0">
+                <a:pos x="T46" y="T47"/>
+              </a:cxn>
+              <a:cxn ang="0">
+                <a:pos x="T48" y="T49"/>
+              </a:cxn>
+              <a:cxn ang="0">
+                <a:pos x="T50" y="T51"/>
+              </a:cxn>
+              <a:cxn ang="0">
+                <a:pos x="T52" y="T53"/>
+              </a:cxn>
+              <a:cxn ang="0">
+                <a:pos x="T54" y="T55"/>
+              </a:cxn>
+              <a:cxn ang="0">
+                <a:pos x="T56" y="T57"/>
+              </a:cxn>
+              <a:cxn ang="0">
+                <a:pos x="T58" y="T59"/>
+              </a:cxn>
+              <a:cxn ang="0">
+                <a:pos x="T60" y="T61"/>
+              </a:cxn>
+              <a:cxn ang="0">
+                <a:pos x="T62" y="T63"/>
+              </a:cxn>
+              <a:cxn ang="0">
+                <a:pos x="T64" y="T65"/>
+              </a:cxn>
+              <a:cxn ang="0">
+                <a:pos x="T66" y="T67"/>
+              </a:cxn>
+              <a:cxn ang="0">
+                <a:pos x="T68" y="T69"/>
+              </a:cxn>
+              <a:cxn ang="0">
+                <a:pos x="T70" y="T71"/>
+              </a:cxn>
+              <a:cxn ang="0">
+                <a:pos x="T72" y="T73"/>
+              </a:cxn>
+              <a:cxn ang="0">
+                <a:pos x="T74" y="T75"/>
+              </a:cxn>
+              <a:cxn ang="0">
+                <a:pos x="T76" y="T77"/>
+              </a:cxn>
+              <a:cxn ang="0">
+                <a:pos x="T78" y="T79"/>
+              </a:cxn>
+              <a:cxn ang="0">
+                <a:pos x="T80" y="T81"/>
+              </a:cxn>
+              <a:cxn ang="0">
+                <a:pos x="T82" y="T83"/>
+              </a:cxn>
+              <a:cxn ang="0">
+                <a:pos x="T84" y="T85"/>
+              </a:cxn>
+              <a:cxn ang="0">
+                <a:pos x="T86" y="T87"/>
+              </a:cxn>
+              <a:cxn ang="0">
+                <a:pos x="T88" y="T89"/>
+              </a:cxn>
+              <a:cxn ang="0">
+                <a:pos x="T90" y="T91"/>
+              </a:cxn>
+              <a:cxn ang="0">
+                <a:pos x="T92" y="T93"/>
+              </a:cxn>
+              <a:cxn ang="0">
+                <a:pos x="T94" y="T95"/>
+              </a:cxn>
+              <a:cxn ang="0">
+                <a:pos x="T96" y="T97"/>
+              </a:cxn>
+              <a:cxn ang="0">
+                <a:pos x="T98" y="T99"/>
+              </a:cxn>
+              <a:cxn ang="0">
+                <a:pos x="T100" y="T101"/>
+              </a:cxn>
+              <a:cxn ang="0">
+                <a:pos x="T102" y="T103"/>
+              </a:cxn>
+              <a:cxn ang="0">
+                <a:pos x="T104" y="T105"/>
+              </a:cxn>
+              <a:cxn ang="0">
+                <a:pos x="T106" y="T107"/>
+              </a:cxn>
+              <a:cxn ang="0">
+                <a:pos x="T108" y="T109"/>
+              </a:cxn>
+              <a:cxn ang="0">
+                <a:pos x="T110" y="T111"/>
+              </a:cxn>
+              <a:cxn ang="0">
+                <a:pos x="T112" y="T113"/>
+              </a:cxn>
+              <a:cxn ang="0">
+                <a:pos x="T114" y="T115"/>
+              </a:cxn>
+            </a:cxnLst>
+            <a:rect l="0" t="0" r="r" b="b"/>
+            <a:pathLst>
+              <a:path w="3330" h="3429">
+                <a:moveTo>
+                  <a:pt x="2357" y="1004"/>
+                </a:moveTo>
+                <a:lnTo>
+                  <a:pt x="2324" y="1006"/>
+                </a:lnTo>
+                <a:lnTo>
+                  <a:pt x="2293" y="1014"/>
+                </a:lnTo>
+                <a:lnTo>
+                  <a:pt x="2264" y="1026"/>
+                </a:lnTo>
+                <a:lnTo>
+                  <a:pt x="2237" y="1043"/>
+                </a:lnTo>
+                <a:lnTo>
+                  <a:pt x="2212" y="1063"/>
+                </a:lnTo>
+                <a:lnTo>
+                  <a:pt x="1494" y="1781"/>
+                </a:lnTo>
+                <a:lnTo>
+                  <a:pt x="1483" y="1790"/>
+                </a:lnTo>
+                <a:lnTo>
+                  <a:pt x="1472" y="1794"/>
+                </a:lnTo>
+                <a:lnTo>
+                  <a:pt x="1458" y="1796"/>
+                </a:lnTo>
+                <a:lnTo>
+                  <a:pt x="1445" y="1794"/>
+                </a:lnTo>
+                <a:lnTo>
+                  <a:pt x="1433" y="1790"/>
+                </a:lnTo>
+                <a:lnTo>
+                  <a:pt x="1422" y="1781"/>
+                </a:lnTo>
+                <a:lnTo>
+                  <a:pt x="1156" y="1517"/>
+                </a:lnTo>
+                <a:lnTo>
+                  <a:pt x="1132" y="1495"/>
+                </a:lnTo>
+                <a:lnTo>
+                  <a:pt x="1106" y="1479"/>
+                </a:lnTo>
+                <a:lnTo>
+                  <a:pt x="1075" y="1467"/>
+                </a:lnTo>
+                <a:lnTo>
+                  <a:pt x="1045" y="1459"/>
+                </a:lnTo>
+                <a:lnTo>
+                  <a:pt x="1013" y="1456"/>
+                </a:lnTo>
+                <a:lnTo>
+                  <a:pt x="981" y="1459"/>
+                </a:lnTo>
+                <a:lnTo>
+                  <a:pt x="951" y="1467"/>
+                </a:lnTo>
+                <a:lnTo>
+                  <a:pt x="920" y="1479"/>
+                </a:lnTo>
+                <a:lnTo>
+                  <a:pt x="893" y="1495"/>
+                </a:lnTo>
+                <a:lnTo>
+                  <a:pt x="870" y="1515"/>
+                </a:lnTo>
+                <a:lnTo>
+                  <a:pt x="870" y="1517"/>
+                </a:lnTo>
+                <a:lnTo>
+                  <a:pt x="848" y="1540"/>
+                </a:lnTo>
+                <a:lnTo>
+                  <a:pt x="832" y="1567"/>
+                </a:lnTo>
+                <a:lnTo>
+                  <a:pt x="820" y="1597"/>
+                </a:lnTo>
+                <a:lnTo>
+                  <a:pt x="813" y="1627"/>
+                </a:lnTo>
+                <a:lnTo>
+                  <a:pt x="810" y="1660"/>
+                </a:lnTo>
+                <a:lnTo>
+                  <a:pt x="813" y="1692"/>
+                </a:lnTo>
+                <a:lnTo>
+                  <a:pt x="820" y="1722"/>
+                </a:lnTo>
+                <a:lnTo>
+                  <a:pt x="832" y="1752"/>
+                </a:lnTo>
+                <a:lnTo>
+                  <a:pt x="848" y="1779"/>
+                </a:lnTo>
+                <a:lnTo>
+                  <a:pt x="870" y="1803"/>
+                </a:lnTo>
+                <a:lnTo>
+                  <a:pt x="1314" y="2248"/>
+                </a:lnTo>
+                <a:lnTo>
+                  <a:pt x="1339" y="2270"/>
+                </a:lnTo>
+                <a:lnTo>
+                  <a:pt x="1367" y="2286"/>
+                </a:lnTo>
+                <a:lnTo>
+                  <a:pt x="1396" y="2298"/>
+                </a:lnTo>
+                <a:lnTo>
+                  <a:pt x="1427" y="2305"/>
+                </a:lnTo>
+                <a:lnTo>
+                  <a:pt x="1459" y="2308"/>
+                </a:lnTo>
+                <a:lnTo>
+                  <a:pt x="1489" y="2305"/>
+                </a:lnTo>
+                <a:lnTo>
+                  <a:pt x="1520" y="2298"/>
+                </a:lnTo>
+                <a:lnTo>
+                  <a:pt x="1549" y="2286"/>
+                </a:lnTo>
+                <a:lnTo>
+                  <a:pt x="1577" y="2270"/>
+                </a:lnTo>
+                <a:lnTo>
+                  <a:pt x="1602" y="2248"/>
+                </a:lnTo>
+                <a:lnTo>
+                  <a:pt x="2500" y="1351"/>
+                </a:lnTo>
+                <a:lnTo>
+                  <a:pt x="2521" y="1325"/>
+                </a:lnTo>
+                <a:lnTo>
+                  <a:pt x="2538" y="1298"/>
+                </a:lnTo>
+                <a:lnTo>
+                  <a:pt x="2550" y="1268"/>
+                </a:lnTo>
+                <a:lnTo>
+                  <a:pt x="2557" y="1238"/>
+                </a:lnTo>
+                <a:lnTo>
+                  <a:pt x="2559" y="1207"/>
+                </a:lnTo>
+                <a:lnTo>
+                  <a:pt x="2557" y="1175"/>
+                </a:lnTo>
+                <a:lnTo>
+                  <a:pt x="2550" y="1145"/>
+                </a:lnTo>
+                <a:lnTo>
+                  <a:pt x="2538" y="1116"/>
+                </a:lnTo>
+                <a:lnTo>
+                  <a:pt x="2521" y="1088"/>
+                </a:lnTo>
+                <a:lnTo>
+                  <a:pt x="2500" y="1063"/>
+                </a:lnTo>
+                <a:lnTo>
+                  <a:pt x="2476" y="1043"/>
+                </a:lnTo>
+                <a:lnTo>
+                  <a:pt x="2448" y="1026"/>
+                </a:lnTo>
+                <a:lnTo>
+                  <a:pt x="2419" y="1014"/>
+                </a:lnTo>
+                <a:lnTo>
+                  <a:pt x="2388" y="1006"/>
+                </a:lnTo>
+                <a:lnTo>
+                  <a:pt x="2357" y="1004"/>
+                </a:lnTo>
+                <a:close/>
+                <a:moveTo>
+                  <a:pt x="320" y="0"/>
+                </a:moveTo>
+                <a:lnTo>
+                  <a:pt x="3009" y="0"/>
+                </a:lnTo>
+                <a:lnTo>
+                  <a:pt x="3053" y="3"/>
+                </a:lnTo>
+                <a:lnTo>
+                  <a:pt x="3094" y="12"/>
+                </a:lnTo>
+                <a:lnTo>
+                  <a:pt x="3134" y="25"/>
+                </a:lnTo>
+                <a:lnTo>
+                  <a:pt x="3170" y="43"/>
+                </a:lnTo>
+                <a:lnTo>
+                  <a:pt x="3205" y="66"/>
+                </a:lnTo>
+                <a:lnTo>
+                  <a:pt x="3236" y="92"/>
+                </a:lnTo>
+                <a:lnTo>
+                  <a:pt x="3263" y="124"/>
+                </a:lnTo>
+                <a:lnTo>
+                  <a:pt x="3286" y="157"/>
+                </a:lnTo>
+                <a:lnTo>
+                  <a:pt x="3304" y="194"/>
+                </a:lnTo>
+                <a:lnTo>
+                  <a:pt x="3318" y="233"/>
+                </a:lnTo>
+                <a:lnTo>
+                  <a:pt x="3327" y="274"/>
+                </a:lnTo>
+                <a:lnTo>
+                  <a:pt x="3330" y="319"/>
+                </a:lnTo>
+                <a:lnTo>
+                  <a:pt x="3330" y="2276"/>
+                </a:lnTo>
+                <a:lnTo>
+                  <a:pt x="3327" y="2317"/>
+                </a:lnTo>
+                <a:lnTo>
+                  <a:pt x="3319" y="2357"/>
+                </a:lnTo>
+                <a:lnTo>
+                  <a:pt x="3306" y="2396"/>
+                </a:lnTo>
+                <a:lnTo>
+                  <a:pt x="3289" y="2432"/>
+                </a:lnTo>
+                <a:lnTo>
+                  <a:pt x="3266" y="2466"/>
+                </a:lnTo>
+                <a:lnTo>
+                  <a:pt x="3240" y="2497"/>
+                </a:lnTo>
+                <a:lnTo>
+                  <a:pt x="3210" y="2525"/>
+                </a:lnTo>
+                <a:lnTo>
+                  <a:pt x="3177" y="2549"/>
+                </a:lnTo>
+                <a:lnTo>
+                  <a:pt x="1824" y="3382"/>
+                </a:lnTo>
+                <a:lnTo>
+                  <a:pt x="1784" y="3402"/>
+                </a:lnTo>
+                <a:lnTo>
+                  <a:pt x="1742" y="3417"/>
+                </a:lnTo>
+                <a:lnTo>
+                  <a:pt x="1699" y="3426"/>
+                </a:lnTo>
+                <a:lnTo>
+                  <a:pt x="1655" y="3429"/>
+                </a:lnTo>
+                <a:lnTo>
+                  <a:pt x="1612" y="3426"/>
+                </a:lnTo>
+                <a:lnTo>
+                  <a:pt x="1568" y="3417"/>
+                </a:lnTo>
+                <a:lnTo>
+                  <a:pt x="1527" y="3402"/>
+                </a:lnTo>
+                <a:lnTo>
+                  <a:pt x="1487" y="3381"/>
+                </a:lnTo>
+                <a:lnTo>
+                  <a:pt x="151" y="2549"/>
+                </a:lnTo>
+                <a:lnTo>
+                  <a:pt x="117" y="2525"/>
+                </a:lnTo>
+                <a:lnTo>
+                  <a:pt x="88" y="2497"/>
+                </a:lnTo>
+                <a:lnTo>
+                  <a:pt x="62" y="2466"/>
+                </a:lnTo>
+                <a:lnTo>
+                  <a:pt x="41" y="2432"/>
+                </a:lnTo>
+                <a:lnTo>
+                  <a:pt x="24" y="2396"/>
+                </a:lnTo>
+                <a:lnTo>
+                  <a:pt x="11" y="2358"/>
+                </a:lnTo>
+                <a:lnTo>
+                  <a:pt x="3" y="2318"/>
+                </a:lnTo>
+                <a:lnTo>
+                  <a:pt x="0" y="2277"/>
+                </a:lnTo>
+                <a:lnTo>
+                  <a:pt x="0" y="319"/>
+                </a:lnTo>
+                <a:lnTo>
+                  <a:pt x="3" y="274"/>
+                </a:lnTo>
+                <a:lnTo>
+                  <a:pt x="12" y="233"/>
+                </a:lnTo>
+                <a:lnTo>
+                  <a:pt x="26" y="194"/>
+                </a:lnTo>
+                <a:lnTo>
+                  <a:pt x="44" y="157"/>
+                </a:lnTo>
+                <a:lnTo>
+                  <a:pt x="67" y="124"/>
+                </a:lnTo>
+                <a:lnTo>
+                  <a:pt x="94" y="92"/>
+                </a:lnTo>
+                <a:lnTo>
+                  <a:pt x="125" y="66"/>
+                </a:lnTo>
+                <a:lnTo>
+                  <a:pt x="158" y="43"/>
+                </a:lnTo>
+                <a:lnTo>
+                  <a:pt x="196" y="25"/>
+                </a:lnTo>
+                <a:lnTo>
+                  <a:pt x="235" y="12"/>
+                </a:lnTo>
+                <a:lnTo>
+                  <a:pt x="277" y="3"/>
+                </a:lnTo>
+                <a:lnTo>
+                  <a:pt x="320" y="0"/>
+                </a:lnTo>
+                <a:close/>
+              </a:path>
+            </a:pathLst>
+          </a:custGeom>
+          <a:solidFill>
+            <a:srgbClr val="00C300"/>
+          </a:solidFill>
+          <a:ln w="0">
+            <a:noFill/>
+            <a:prstDash val="solid"/>
+            <a:round/>
+            <a:headEnd/>
+            <a:tailEnd/>
+          </a:ln>
+        </p:spPr>
+        <p:txBody>
+          <a:bodyPr vert="horz" wrap="square" lIns="91440" tIns="45720" rIns="91440" bIns="45720" numCol="1" anchor="t" anchorCtr="0" compatLnSpc="1">
+            <a:prstTxWarp prst="textNoShape">
+              <a:avLst/>
+            </a:prstTxWarp>
+          </a:bodyPr>
+          <a:lstStyle/>
+          <a:p>
+            <a:endParaRPr lang="ko-KR" altLang="en-US"/>
+          </a:p>
+        </p:txBody>
+      </p:sp>
+      <p:sp>
+        <p:nvSpPr>
+          <p:cNvPr id="42" name="TextBox 41">
+            <a:extLst>
+              <a:ext uri="{FF2B5EF4-FFF2-40B4-BE49-F238E27FC236}">
+                <a16:creationId xmlns:a16="http://schemas.microsoft.com/office/drawing/2014/main" id="{F4A81536-D30F-4956-AAF8-361DF771BEA6}"/>
+              </a:ext>
+            </a:extLst>
+          </p:cNvPr>
+          <p:cNvSpPr txBox="1"/>
+          <p:nvPr/>
+        </p:nvSpPr>
+        <p:spPr>
+          <a:xfrm>
+            <a:off x="4247052" y="3429000"/>
+            <a:ext cx="7824705" cy="215444"/>
+          </a:xfrm>
+          <a:prstGeom prst="rect">
+            <a:avLst/>
+          </a:prstGeom>
+          <a:noFill/>
+        </p:spPr>
+        <p:txBody>
+          <a:bodyPr wrap="square" lIns="0" tIns="0" rIns="0" bIns="0" rtlCol="0">
+            <a:spAutoFit/>
+          </a:bodyPr>
+          <a:lstStyle/>
+          <a:p>
+            <a:r>
+              <a:rPr lang="en-US" altLang="ko-KR" sz="1400" dirty="0">
+                <a:solidFill>
+                  <a:schemeClr val="tx1">
+                    <a:lumMod val="75000"/>
+                    <a:lumOff val="25000"/>
+                  </a:schemeClr>
+                </a:solidFill>
+                <a:latin typeface="나눔바른고딕" panose="020B0603020101020101" pitchFamily="50" charset="-127"/>
+                <a:ea typeface="나눔바른고딕" panose="020B0603020101020101" pitchFamily="50" charset="-127"/>
+              </a:rPr>
+              <a:t>1</a:t>
+            </a:r>
+            <a:r>
+              <a:rPr lang="ko-KR" altLang="en-US" sz="1400" dirty="0">
+                <a:solidFill>
+                  <a:schemeClr val="tx1">
+                    <a:lumMod val="75000"/>
+                    <a:lumOff val="25000"/>
+                  </a:schemeClr>
+                </a:solidFill>
+                <a:latin typeface="나눔바른고딕" panose="020B0603020101020101" pitchFamily="50" charset="-127"/>
+                <a:ea typeface="나눔바른고딕" panose="020B0603020101020101" pitchFamily="50" charset="-127"/>
+              </a:rPr>
+              <a:t>번</a:t>
+            </a:r>
+            <a:r>
+              <a:rPr lang="en-US" altLang="ko-KR" sz="1400" dirty="0">
+                <a:solidFill>
+                  <a:schemeClr val="tx1">
+                    <a:lumMod val="75000"/>
+                    <a:lumOff val="25000"/>
+                  </a:schemeClr>
+                </a:solidFill>
+                <a:latin typeface="나눔바른고딕" panose="020B0603020101020101" pitchFamily="50" charset="-127"/>
+                <a:ea typeface="나눔바른고딕" panose="020B0603020101020101" pitchFamily="50" charset="-127"/>
+              </a:rPr>
+              <a:t>~9</a:t>
+            </a:r>
+            <a:r>
+              <a:rPr lang="ko-KR" altLang="en-US" sz="1400" dirty="0">
+                <a:solidFill>
+                  <a:schemeClr val="tx1">
+                    <a:lumMod val="75000"/>
+                    <a:lumOff val="25000"/>
+                  </a:schemeClr>
+                </a:solidFill>
+                <a:latin typeface="나눔바른고딕" panose="020B0603020101020101" pitchFamily="50" charset="-127"/>
+                <a:ea typeface="나눔바른고딕" panose="020B0603020101020101" pitchFamily="50" charset="-127"/>
+              </a:rPr>
+              <a:t>번 메뉴 선택을 위한 </a:t>
+            </a:r>
+            <a:r>
+              <a:rPr lang="en-US" altLang="ko-KR" sz="1400" dirty="0" err="1">
+                <a:solidFill>
+                  <a:schemeClr val="tx1">
+                    <a:lumMod val="75000"/>
+                    <a:lumOff val="25000"/>
+                  </a:schemeClr>
+                </a:solidFill>
+                <a:latin typeface="나눔바른고딕" panose="020B0603020101020101" pitchFamily="50" charset="-127"/>
+                <a:ea typeface="나눔바른고딕" panose="020B0603020101020101" pitchFamily="50" charset="-127"/>
+              </a:rPr>
+              <a:t>one~nine</a:t>
+            </a:r>
+            <a:endParaRPr lang="ko-KR" altLang="en-US" sz="1400" dirty="0">
+              <a:solidFill>
+                <a:schemeClr val="tx1">
+                  <a:lumMod val="75000"/>
+                  <a:lumOff val="25000"/>
+                </a:schemeClr>
+              </a:solidFill>
+              <a:latin typeface="나눔바른고딕" panose="020B0603020101020101" pitchFamily="50" charset="-127"/>
+              <a:ea typeface="나눔바른고딕" panose="020B0603020101020101" pitchFamily="50" charset="-127"/>
+            </a:endParaRPr>
+          </a:p>
+        </p:txBody>
+      </p:sp>
+      <p:grpSp>
+        <p:nvGrpSpPr>
+          <p:cNvPr id="12" name="그룹 11">
+            <a:extLst>
+              <a:ext uri="{FF2B5EF4-FFF2-40B4-BE49-F238E27FC236}">
+                <a16:creationId xmlns:a16="http://schemas.microsoft.com/office/drawing/2014/main" id="{5E9A5D39-DD12-47EB-98D5-6505D50A30C3}"/>
+              </a:ext>
+            </a:extLst>
+          </p:cNvPr>
+          <p:cNvGrpSpPr/>
+          <p:nvPr/>
+        </p:nvGrpSpPr>
+        <p:grpSpPr>
+          <a:xfrm>
+            <a:off x="3991562" y="2657823"/>
+            <a:ext cx="7533756" cy="3953391"/>
+            <a:chOff x="3991562" y="2657823"/>
+            <a:chExt cx="7533756" cy="3953391"/>
+          </a:xfrm>
+        </p:grpSpPr>
+        <p:pic>
+          <p:nvPicPr>
+            <p:cNvPr id="10" name="그림 9" descr="텍스트이(가) 표시된 사진&#10;&#10;자동 생성된 설명">
+              <a:extLst>
+                <a:ext uri="{FF2B5EF4-FFF2-40B4-BE49-F238E27FC236}">
+                  <a16:creationId xmlns:a16="http://schemas.microsoft.com/office/drawing/2014/main" id="{25F5E235-83AD-4E23-A414-4D4659414507}"/>
+                </a:ext>
+              </a:extLst>
+            </p:cNvPr>
+            <p:cNvPicPr>
+              <a:picLocks noChangeAspect="1"/>
+            </p:cNvPicPr>
+            <p:nvPr/>
+          </p:nvPicPr>
+          <p:blipFill>
+            <a:blip r:embed="rId2"/>
+            <a:stretch>
+              <a:fillRect/>
+            </a:stretch>
+          </p:blipFill>
+          <p:spPr>
+            <a:xfrm>
+              <a:off x="7599671" y="2657824"/>
+              <a:ext cx="3925647" cy="3953390"/>
+            </a:xfrm>
+            <a:prstGeom prst="rect">
+              <a:avLst/>
+            </a:prstGeom>
+          </p:spPr>
+        </p:pic>
+        <p:pic>
+          <p:nvPicPr>
+            <p:cNvPr id="5" name="그림 4">
+              <a:extLst>
+                <a:ext uri="{FF2B5EF4-FFF2-40B4-BE49-F238E27FC236}">
+                  <a16:creationId xmlns:a16="http://schemas.microsoft.com/office/drawing/2014/main" id="{FE79C46E-5A66-44C3-B39A-995339915290}"/>
+                </a:ext>
+              </a:extLst>
+            </p:cNvPr>
+            <p:cNvPicPr>
+              <a:picLocks noChangeAspect="1"/>
+            </p:cNvPicPr>
+            <p:nvPr/>
+          </p:nvPicPr>
+          <p:blipFill>
+            <a:blip r:embed="rId3"/>
+            <a:stretch>
+              <a:fillRect/>
+            </a:stretch>
+          </p:blipFill>
+          <p:spPr>
+            <a:xfrm>
+              <a:off x="3991562" y="2657823"/>
+              <a:ext cx="3411440" cy="3953391"/>
+            </a:xfrm>
+            <a:prstGeom prst="rect">
+              <a:avLst/>
+            </a:prstGeom>
+          </p:spPr>
+        </p:pic>
+      </p:grpSp>
     </p:spTree>
     <p:extLst>
       <p:ext uri="{BB962C8B-B14F-4D97-AF65-F5344CB8AC3E}">
@@ -38407,6 +38781,81 @@
   <p:clrMapOvr>
     <a:masterClrMapping/>
   </p:clrMapOvr>
+  <p:timing>
+    <p:tnLst>
+      <p:par>
+        <p:cTn id="1" dur="indefinite" restart="never" nodeType="tmRoot">
+          <p:childTnLst>
+            <p:seq concurrent="1" nextAc="seek">
+              <p:cTn id="2" dur="indefinite" nodeType="mainSeq">
+                <p:childTnLst>
+                  <p:par>
+                    <p:cTn id="3" fill="hold">
+                      <p:stCondLst>
+                        <p:cond delay="indefinite"/>
+                      </p:stCondLst>
+                      <p:childTnLst>
+                        <p:par>
+                          <p:cTn id="4" fill="hold">
+                            <p:stCondLst>
+                              <p:cond delay="0"/>
+                            </p:stCondLst>
+                            <p:childTnLst>
+                              <p:par>
+                                <p:cTn id="5" presetID="1" presetClass="entr" presetSubtype="0" fill="hold" nodeType="clickEffect">
+                                  <p:stCondLst>
+                                    <p:cond delay="0"/>
+                                  </p:stCondLst>
+                                  <p:childTnLst>
+                                    <p:set>
+                                      <p:cBhvr>
+                                        <p:cTn id="6" dur="1" fill="hold">
+                                          <p:stCondLst>
+                                            <p:cond delay="0"/>
+                                          </p:stCondLst>
+                                        </p:cTn>
+                                        <p:tgtEl>
+                                          <p:spTgt spid="12"/>
+                                        </p:tgtEl>
+                                        <p:attrNameLst>
+                                          <p:attrName>style.visibility</p:attrName>
+                                        </p:attrNameLst>
+                                      </p:cBhvr>
+                                      <p:to>
+                                        <p:strVal val="visible"/>
+                                      </p:to>
+                                    </p:set>
+                                  </p:childTnLst>
+                                </p:cTn>
+                              </p:par>
+                            </p:childTnLst>
+                          </p:cTn>
+                        </p:par>
+                      </p:childTnLst>
+                    </p:cTn>
+                  </p:par>
+                </p:childTnLst>
+              </p:cTn>
+              <p:prevCondLst>
+                <p:cond evt="onPrev" delay="0">
+                  <p:tgtEl>
+                    <p:sldTgt/>
+                  </p:tgtEl>
+                </p:cond>
+              </p:prevCondLst>
+              <p:nextCondLst>
+                <p:cond evt="onNext" delay="0">
+                  <p:tgtEl>
+                    <p:sldTgt/>
+                  </p:tgtEl>
+                </p:cond>
+              </p:nextCondLst>
+            </p:seq>
+          </p:childTnLst>
+        </p:cTn>
+      </p:par>
+    </p:tnLst>
+  </p:timing>
 </p:sld>
 </file>
 
@@ -40995,33 +41444,6 @@
                                   </p:childTnLst>
                                 </p:cTn>
                               </p:par>
-                              <p:par>
-                                <p:cTn id="7" presetID="1" presetClass="entr" presetSubtype="0" fill="hold" nodeType="withEffect">
-                                  <p:stCondLst>
-                                    <p:cond delay="0"/>
-                                  </p:stCondLst>
-                                  <p:childTnLst>
-                                    <p:set>
-                                      <p:cBhvr>
-                                        <p:cTn id="8" dur="1" fill="hold">
-                                          <p:stCondLst>
-                                            <p:cond delay="0"/>
-                                          </p:stCondLst>
-                                        </p:cTn>
-                                        <p:tgtEl>
-                                          <p:spTgt spid="23"/>
-                                        </p:tgtEl>
-                                        <p:attrNameLst>
-                                          <p:attrName>style.visibility</p:attrName>
-                                        </p:attrNameLst>
-                                      </p:cBhvr>
-                                      <p:to>
-                                        <p:strVal val="visible"/>
-                                      </p:to>
-                                    </p:set>
-                                  </p:childTnLst>
-                                </p:cTn>
-                              </p:par>
                             </p:childTnLst>
                           </p:cTn>
                         </p:par>
